--- a/업무_관리시스템.pptx
+++ b/업무_관리시스템.pptx
@@ -5,10 +5,12 @@
     <p:sldMasterId id="2147483726" r:id="rId1"/>
   </p:sldMasterIdLst>
   <p:sldIdLst>
-    <p:sldId id="256" r:id="rId2"/>
-    <p:sldId id="257" r:id="rId3"/>
-    <p:sldId id="259" r:id="rId4"/>
-    <p:sldId id="258" r:id="rId5"/>
+    <p:sldId id="260" r:id="rId2"/>
+    <p:sldId id="256" r:id="rId3"/>
+    <p:sldId id="257" r:id="rId4"/>
+    <p:sldId id="259" r:id="rId5"/>
+    <p:sldId id="258" r:id="rId6"/>
+    <p:sldId id="261" r:id="rId7"/>
   </p:sldIdLst>
   <p:sldSz cx="12192000" cy="6858000"/>
   <p:notesSz cx="6858000" cy="9144000"/>
@@ -107,6 +109,11 @@
       </a:defRPr>
     </a:lvl9pPr>
   </p:defaultTextStyle>
+  <p:extLst>
+    <p:ext uri="{EFAFB233-063F-42B5-8137-9DF3F51BA10A}">
+      <p15:sldGuideLst xmlns:p15="http://schemas.microsoft.com/office/powerpoint/2012/main"/>
+    </p:ext>
+  </p:extLst>
 </p:presentation>
 </file>
 
@@ -337,7 +344,7 @@
             <a:fld id="{B61BEF0D-F0BB-DE4B-95CE-6DB70DBA9567}" type="datetimeFigureOut">
               <a:rPr lang="en-US" smtClean="0"/>
               <a:pPr/>
-              <a:t>9/14/2020</a:t>
+              <a:t>9/16/2020</a:t>
             </a:fld>
             <a:endParaRPr lang="en-US" dirty="0"/>
           </a:p>
@@ -546,7 +553,7 @@
           <a:p>
             <a:fld id="{55C6B4A9-1611-4792-9094-5F34BCA07E0B}" type="datetimeFigureOut">
               <a:rPr lang="en-US" smtClean="0"/>
-              <a:t>9/14/2020</a:t>
+              <a:t>9/16/2020</a:t>
             </a:fld>
             <a:endParaRPr lang="en-US" dirty="0"/>
           </a:p>
@@ -803,7 +810,7 @@
             <a:fld id="{B61BEF0D-F0BB-DE4B-95CE-6DB70DBA9567}" type="datetimeFigureOut">
               <a:rPr lang="en-US" smtClean="0"/>
               <a:pPr/>
-              <a:t>9/14/2020</a:t>
+              <a:t>9/16/2020</a:t>
             </a:fld>
             <a:endParaRPr lang="en-US" dirty="0"/>
           </a:p>
@@ -979,7 +986,7 @@
             <a:fld id="{B61BEF0D-F0BB-DE4B-95CE-6DB70DBA9567}" type="datetimeFigureOut">
               <a:rPr lang="en-US" smtClean="0"/>
               <a:pPr/>
-              <a:t>9/14/2020</a:t>
+              <a:t>9/16/2020</a:t>
             </a:fld>
             <a:endParaRPr lang="en-US" dirty="0"/>
           </a:p>
@@ -1324,7 +1331,7 @@
             <a:fld id="{B61BEF0D-F0BB-DE4B-95CE-6DB70DBA9567}" type="datetimeFigureOut">
               <a:rPr lang="en-US" smtClean="0"/>
               <a:pPr/>
-              <a:t>9/14/2020</a:t>
+              <a:t>9/16/2020</a:t>
             </a:fld>
             <a:endParaRPr lang="en-US" dirty="0"/>
           </a:p>
@@ -1600,7 +1607,7 @@
           <a:p>
             <a:fld id="{EB712588-04B1-427B-82EE-E8DB90309F08}" type="datetimeFigureOut">
               <a:rPr lang="en-US" smtClean="0"/>
-              <a:t>9/14/2020</a:t>
+              <a:t>9/16/2020</a:t>
             </a:fld>
             <a:endParaRPr lang="en-US" dirty="0"/>
           </a:p>
@@ -1980,7 +1987,7 @@
             <a:fld id="{B61BEF0D-F0BB-DE4B-95CE-6DB70DBA9567}" type="datetimeFigureOut">
               <a:rPr lang="en-US" smtClean="0"/>
               <a:pPr/>
-              <a:t>9/14/2020</a:t>
+              <a:t>9/16/2020</a:t>
             </a:fld>
             <a:endParaRPr lang="en-US" dirty="0"/>
           </a:p>
@@ -2100,7 +2107,7 @@
             <a:fld id="{B61BEF0D-F0BB-DE4B-95CE-6DB70DBA9567}" type="datetimeFigureOut">
               <a:rPr lang="en-US" smtClean="0"/>
               <a:pPr/>
-              <a:t>9/14/2020</a:t>
+              <a:t>9/16/2020</a:t>
             </a:fld>
             <a:endParaRPr lang="en-US" dirty="0"/>
           </a:p>
@@ -2273,7 +2280,7 @@
             <a:fld id="{B61BEF0D-F0BB-DE4B-95CE-6DB70DBA9567}" type="datetimeFigureOut">
               <a:rPr lang="en-US" smtClean="0"/>
               <a:pPr/>
-              <a:t>9/14/2020</a:t>
+              <a:t>9/16/2020</a:t>
             </a:fld>
             <a:endParaRPr lang="en-US" dirty="0"/>
           </a:p>
@@ -2628,7 +2635,7 @@
           <a:p>
             <a:fld id="{42A54C80-263E-416B-A8E0-580EDEADCBDC}" type="datetimeFigureOut">
               <a:rPr lang="en-US" smtClean="0"/>
-              <a:t>9/14/2020</a:t>
+              <a:t>9/16/2020</a:t>
             </a:fld>
             <a:endParaRPr lang="en-US" dirty="0"/>
           </a:p>
@@ -3011,7 +3018,7 @@
             <a:fld id="{B61BEF0D-F0BB-DE4B-95CE-6DB70DBA9567}" type="datetimeFigureOut">
               <a:rPr lang="en-US" smtClean="0"/>
               <a:pPr/>
-              <a:t>9/14/2020</a:t>
+              <a:t>9/16/2020</a:t>
             </a:fld>
             <a:endParaRPr lang="en-US" dirty="0"/>
           </a:p>
@@ -3300,7 +3307,7 @@
             <a:fld id="{B61BEF0D-F0BB-DE4B-95CE-6DB70DBA9567}" type="datetimeFigureOut">
               <a:rPr lang="en-US" smtClean="0"/>
               <a:pPr/>
-              <a:t>9/14/2020</a:t>
+              <a:t>9/16/2020</a:t>
             </a:fld>
             <a:endParaRPr lang="en-US" dirty="0"/>
           </a:p>
@@ -3809,6 +3816,340 @@
 </file>
 
 <file path=ppt/slides/slide1.xml><?xml version="1.0" encoding="utf-8"?>
+<p:sld xmlns:a="http://schemas.openxmlformats.org/drawingml/2006/main" xmlns:r="http://schemas.openxmlformats.org/officeDocument/2006/relationships" xmlns:p="http://schemas.openxmlformats.org/presentationml/2006/main">
+  <p:cSld>
+    <p:spTree>
+      <p:nvGrpSpPr>
+        <p:cNvPr id="1" name=""/>
+        <p:cNvGrpSpPr/>
+        <p:nvPr/>
+      </p:nvGrpSpPr>
+      <p:grpSpPr>
+        <a:xfrm>
+          <a:off x="0" y="0"/>
+          <a:ext cx="0" cy="0"/>
+          <a:chOff x="0" y="0"/>
+          <a:chExt cx="0" cy="0"/>
+        </a:xfrm>
+      </p:grpSpPr>
+      <p:sp>
+        <p:nvSpPr>
+          <p:cNvPr id="2" name="제목 1">
+            <a:extLst>
+              <a:ext uri="{FF2B5EF4-FFF2-40B4-BE49-F238E27FC236}">
+                <a16:creationId xmlns:a16="http://schemas.microsoft.com/office/drawing/2014/main" id="{93931A4A-1749-4625-BDAE-EDCD37C16EBB}"/>
+              </a:ext>
+            </a:extLst>
+          </p:cNvPr>
+          <p:cNvSpPr>
+            <a:spLocks noGrp="1"/>
+          </p:cNvSpPr>
+          <p:nvPr>
+            <p:ph type="title"/>
+          </p:nvPr>
+        </p:nvSpPr>
+        <p:spPr>
+          <a:xfrm>
+            <a:off x="1097280" y="286603"/>
+            <a:ext cx="10058400" cy="5055418"/>
+          </a:xfrm>
+        </p:spPr>
+        <p:txBody>
+          <a:bodyPr/>
+          <a:lstStyle/>
+          <a:p>
+            <a:pPr algn="ctr"/>
+            <a:br>
+              <a:rPr lang="en-US" altLang="ko-KR" dirty="0"/>
+            </a:br>
+            <a:r>
+              <a:rPr lang="ko-KR" altLang="en-US" sz="8000" b="1" dirty="0"/>
+              <a:t>회사 업무 관리 시스템</a:t>
+            </a:r>
+            <a:br>
+              <a:rPr lang="en-US" altLang="ko-KR" sz="8000" b="1" dirty="0"/>
+            </a:br>
+            <a:r>
+              <a:rPr lang="en-US" altLang="ko-KR" sz="5000" b="1" dirty="0" err="1"/>
+              <a:t>BlackFourTeen</a:t>
+            </a:r>
+            <a:br>
+              <a:rPr lang="en-US" altLang="ko-KR" sz="8000" b="1" dirty="0"/>
+            </a:br>
+            <a:endParaRPr lang="ko-KR" altLang="en-US" b="1" dirty="0"/>
+          </a:p>
+        </p:txBody>
+      </p:sp>
+      <p:sp>
+        <p:nvSpPr>
+          <p:cNvPr id="3" name="내용 개체 틀 2">
+            <a:extLst>
+              <a:ext uri="{FF2B5EF4-FFF2-40B4-BE49-F238E27FC236}">
+                <a16:creationId xmlns:a16="http://schemas.microsoft.com/office/drawing/2014/main" id="{BABDC508-B3D5-4099-A18E-4221C8972970}"/>
+              </a:ext>
+            </a:extLst>
+          </p:cNvPr>
+          <p:cNvSpPr>
+            <a:spLocks noGrp="1"/>
+          </p:cNvSpPr>
+          <p:nvPr>
+            <p:ph idx="1"/>
+          </p:nvPr>
+        </p:nvSpPr>
+        <p:spPr>
+          <a:xfrm>
+            <a:off x="9602805" y="3888608"/>
+            <a:ext cx="2589195" cy="2290812"/>
+          </a:xfrm>
+        </p:spPr>
+        <p:txBody>
+          <a:bodyPr>
+            <a:normAutofit fontScale="25000" lnSpcReduction="20000"/>
+          </a:bodyPr>
+          <a:lstStyle/>
+          <a:p>
+            <a:endParaRPr lang="en-US" altLang="ko-KR" dirty="0"/>
+          </a:p>
+          <a:p>
+            <a:endParaRPr lang="en-US" altLang="ko-KR" sz="1200" dirty="0"/>
+          </a:p>
+          <a:p>
+            <a:pPr algn="r"/>
+            <a:r>
+              <a:rPr lang="ko-KR" altLang="en-US" sz="9600" dirty="0"/>
+              <a:t> </a:t>
+            </a:r>
+            <a:r>
+              <a:rPr lang="ko-KR" altLang="en-US" sz="9600" b="1" dirty="0"/>
+              <a:t>지도교수 이원철</a:t>
+            </a:r>
+            <a:endParaRPr lang="en-US" altLang="ko-KR" sz="9600" b="1" dirty="0"/>
+          </a:p>
+          <a:p>
+            <a:pPr algn="r"/>
+            <a:r>
+              <a:rPr lang="ko-KR" altLang="en-US" sz="9600" b="1" dirty="0"/>
+              <a:t>김경민</a:t>
+            </a:r>
+            <a:endParaRPr lang="en-US" altLang="ko-KR" sz="9600" b="1" dirty="0"/>
+          </a:p>
+          <a:p>
+            <a:pPr algn="r"/>
+            <a:r>
+              <a:rPr lang="ko-KR" altLang="en-US" sz="9600" b="1" dirty="0" err="1"/>
+              <a:t>신종현</a:t>
+            </a:r>
+            <a:endParaRPr lang="en-US" altLang="ko-KR" sz="9600" b="1" dirty="0"/>
+          </a:p>
+          <a:p>
+            <a:pPr algn="r"/>
+            <a:r>
+              <a:rPr lang="ko-KR" altLang="en-US" sz="9600" b="1" dirty="0"/>
+              <a:t>김동준</a:t>
+            </a:r>
+            <a:endParaRPr lang="en-US" altLang="ko-KR" sz="9600" b="1" dirty="0"/>
+          </a:p>
+          <a:p>
+            <a:pPr algn="r"/>
+            <a:r>
+              <a:rPr lang="ko-KR" altLang="en-US" sz="9600" b="1" dirty="0"/>
+              <a:t>오정식</a:t>
+            </a:r>
+            <a:endParaRPr lang="en-US" altLang="ko-KR" sz="9600" b="1" dirty="0"/>
+          </a:p>
+          <a:p>
+            <a:endParaRPr lang="en-US" altLang="ko-KR" dirty="0"/>
+          </a:p>
+          <a:p>
+            <a:endParaRPr lang="en-US" altLang="ko-KR" dirty="0"/>
+          </a:p>
+          <a:p>
+            <a:endParaRPr lang="en-US" altLang="ko-KR" dirty="0"/>
+          </a:p>
+          <a:p>
+            <a:endParaRPr lang="en-US" altLang="ko-KR" dirty="0"/>
+          </a:p>
+          <a:p>
+            <a:endParaRPr lang="en-US" altLang="ko-KR" dirty="0"/>
+          </a:p>
+          <a:p>
+            <a:endParaRPr lang="en-US" altLang="ko-KR" dirty="0"/>
+          </a:p>
+          <a:p>
+            <a:pPr lvl="8"/>
+            <a:endParaRPr lang="ko-KR" altLang="en-US" dirty="0"/>
+          </a:p>
+        </p:txBody>
+      </p:sp>
+      <p:grpSp>
+        <p:nvGrpSpPr>
+          <p:cNvPr id="6" name="그룹 5">
+            <a:extLst>
+              <a:ext uri="{FF2B5EF4-FFF2-40B4-BE49-F238E27FC236}">
+                <a16:creationId xmlns:a16="http://schemas.microsoft.com/office/drawing/2014/main" id="{704AE910-EF8D-41F9-85FB-EF6B3841CBA3}"/>
+              </a:ext>
+            </a:extLst>
+          </p:cNvPr>
+          <p:cNvGrpSpPr/>
+          <p:nvPr/>
+        </p:nvGrpSpPr>
+        <p:grpSpPr>
+          <a:xfrm>
+            <a:off x="0" y="0"/>
+            <a:ext cx="12192000" cy="2866489"/>
+            <a:chOff x="0" y="0"/>
+            <a:chExt cx="12192000" cy="2866489"/>
+          </a:xfrm>
+        </p:grpSpPr>
+        <p:pic>
+          <p:nvPicPr>
+            <p:cNvPr id="5" name="그림 4">
+              <a:extLst>
+                <a:ext uri="{FF2B5EF4-FFF2-40B4-BE49-F238E27FC236}">
+                  <a16:creationId xmlns:a16="http://schemas.microsoft.com/office/drawing/2014/main" id="{BBA8F7BC-B426-40EE-BAA4-9FDCCA48A954}"/>
+                </a:ext>
+              </a:extLst>
+            </p:cNvPr>
+            <p:cNvPicPr>
+              <a:picLocks noChangeAspect="1"/>
+            </p:cNvPicPr>
+            <p:nvPr/>
+          </p:nvPicPr>
+          <p:blipFill>
+            <a:blip r:embed="rId2"/>
+            <a:stretch>
+              <a:fillRect/>
+            </a:stretch>
+          </p:blipFill>
+          <p:spPr>
+            <a:xfrm>
+              <a:off x="0" y="0"/>
+              <a:ext cx="12192000" cy="2251003"/>
+            </a:xfrm>
+            <a:prstGeom prst="rect">
+              <a:avLst/>
+            </a:prstGeom>
+            <a:solidFill>
+              <a:srgbClr val="FFFFFF">
+                <a:shade val="85000"/>
+              </a:srgbClr>
+            </a:solidFill>
+            <a:ln w="88900" cap="sq">
+              <a:solidFill>
+                <a:srgbClr val="FFFFFF"/>
+              </a:solidFill>
+              <a:miter lim="800000"/>
+            </a:ln>
+            <a:effectLst>
+              <a:outerShdw blurRad="55000" dist="18000" dir="5400000" algn="tl" rotWithShape="0">
+                <a:srgbClr val="000000">
+                  <a:alpha val="40000"/>
+                </a:srgbClr>
+              </a:outerShdw>
+            </a:effectLst>
+            <a:scene3d>
+              <a:camera prst="orthographicFront"/>
+              <a:lightRig rig="twoPt" dir="t">
+                <a:rot lat="0" lon="0" rev="7200000"/>
+              </a:lightRig>
+            </a:scene3d>
+            <a:sp3d>
+              <a:bevelT w="25400" h="19050"/>
+              <a:contourClr>
+                <a:srgbClr val="FFFFFF"/>
+              </a:contourClr>
+            </a:sp3d>
+          </p:spPr>
+        </p:pic>
+        <p:sp>
+          <p:nvSpPr>
+            <p:cNvPr id="4" name="직사각형 3">
+              <a:extLst>
+                <a:ext uri="{FF2B5EF4-FFF2-40B4-BE49-F238E27FC236}">
+                  <a16:creationId xmlns:a16="http://schemas.microsoft.com/office/drawing/2014/main" id="{C22FFDF7-C046-42DF-88A4-C0C0477258E7}"/>
+                </a:ext>
+              </a:extLst>
+            </p:cNvPr>
+            <p:cNvSpPr/>
+            <p:nvPr/>
+          </p:nvSpPr>
+          <p:spPr>
+            <a:xfrm>
+              <a:off x="1" y="2147298"/>
+              <a:ext cx="12191999" cy="719191"/>
+            </a:xfrm>
+            <a:prstGeom prst="rect">
+              <a:avLst/>
+            </a:prstGeom>
+            <a:gradFill>
+              <a:gsLst>
+                <a:gs pos="0">
+                  <a:schemeClr val="bg1">
+                    <a:alpha val="70000"/>
+                  </a:schemeClr>
+                </a:gs>
+                <a:gs pos="59000">
+                  <a:schemeClr val="bg1"/>
+                </a:gs>
+              </a:gsLst>
+              <a:lin ang="16200000" scaled="0"/>
+            </a:gradFill>
+            <a:ln>
+              <a:noFill/>
+            </a:ln>
+          </p:spPr>
+          <p:style>
+            <a:lnRef idx="2">
+              <a:schemeClr val="accent1">
+                <a:shade val="50000"/>
+              </a:schemeClr>
+            </a:lnRef>
+            <a:fillRef idx="1">
+              <a:schemeClr val="accent1"/>
+            </a:fillRef>
+            <a:effectRef idx="0">
+              <a:schemeClr val="accent1"/>
+            </a:effectRef>
+            <a:fontRef idx="minor">
+              <a:schemeClr val="lt1"/>
+            </a:fontRef>
+          </p:style>
+          <p:txBody>
+            <a:bodyPr rtlCol="0" anchor="ctr"/>
+            <a:lstStyle/>
+            <a:p>
+              <a:pPr algn="ctr"/>
+              <a:endParaRPr lang="ko-KR" altLang="en-US" dirty="0"/>
+            </a:p>
+          </p:txBody>
+        </p:sp>
+      </p:grpSp>
+    </p:spTree>
+    <p:extLst>
+      <p:ext uri="{BB962C8B-B14F-4D97-AF65-F5344CB8AC3E}">
+        <p14:creationId xmlns:p14="http://schemas.microsoft.com/office/powerpoint/2010/main" val="3786901786"/>
+      </p:ext>
+    </p:extLst>
+  </p:cSld>
+  <p:clrMapOvr>
+    <a:masterClrMapping/>
+  </p:clrMapOvr>
+  <mc:AlternateContent xmlns:mc="http://schemas.openxmlformats.org/markup-compatibility/2006" xmlns:p159="http://schemas.microsoft.com/office/powerpoint/2015/09/main">
+    <mc:Choice Requires="p159">
+      <p:transition xmlns:p14="http://schemas.microsoft.com/office/powerpoint/2010/main" spd="slow" p14:dur="2000">
+        <p159:morph option="byObject"/>
+      </p:transition>
+    </mc:Choice>
+    <mc:Fallback xmlns="">
+      <p:transition spd="slow">
+        <p:fade/>
+      </p:transition>
+    </mc:Fallback>
+  </mc:AlternateContent>
+</p:sld>
+</file>
+
+<file path=ppt/slides/slide2.xml><?xml version="1.0" encoding="utf-8"?>
 <p:sld xmlns:a="http://schemas.openxmlformats.org/drawingml/2006/main" xmlns:r="http://schemas.openxmlformats.org/officeDocument/2006/relationships" xmlns:p="http://schemas.openxmlformats.org/presentationml/2006/main">
   <p:cSld>
     <p:spTree>
@@ -11225,6 +11566,18 @@
   <p:clrMapOvr>
     <a:masterClrMapping/>
   </p:clrMapOvr>
+  <mc:AlternateContent xmlns:mc="http://schemas.openxmlformats.org/markup-compatibility/2006" xmlns:p159="http://schemas.microsoft.com/office/powerpoint/2015/09/main">
+    <mc:Choice Requires="p159">
+      <p:transition xmlns:p14="http://schemas.microsoft.com/office/powerpoint/2010/main" spd="slow" p14:dur="2000">
+        <p159:morph option="byObject"/>
+      </p:transition>
+    </mc:Choice>
+    <mc:Fallback xmlns="">
+      <p:transition spd="slow">
+        <p:fade/>
+      </p:transition>
+    </mc:Fallback>
+  </mc:AlternateContent>
   <p:timing>
     <p:tnLst>
       <p:par>
@@ -11246,7 +11599,7 @@
                             </p:stCondLst>
                             <p:childTnLst>
                               <p:par>
-                                <p:cTn id="5" presetID="1" presetClass="entr" presetSubtype="0" fill="hold" grpId="0" nodeType="clickEffect">
+                                <p:cTn id="5" presetID="10" presetClass="entr" presetSubtype="0" fill="hold" grpId="0" nodeType="clickEffect">
                                   <p:stCondLst>
                                     <p:cond delay="0"/>
                                   </p:stCondLst>
@@ -11269,18 +11622,26 @@
                                         <p:strVal val="visible"/>
                                       </p:to>
                                     </p:set>
+                                    <p:animEffect transition="in" filter="fade">
+                                      <p:cBhvr>
+                                        <p:cTn id="7" dur="500"/>
+                                        <p:tgtEl>
+                                          <p:spTgt spid="14"/>
+                                        </p:tgtEl>
+                                      </p:cBhvr>
+                                    </p:animEffect>
                                   </p:childTnLst>
                                 </p:cTn>
                               </p:par>
                               <p:par>
-                                <p:cTn id="7" presetID="1" presetClass="entr" presetSubtype="0" fill="hold" nodeType="withEffect">
+                                <p:cTn id="8" presetID="10" presetClass="entr" presetSubtype="0" fill="hold" nodeType="withEffect">
                                   <p:stCondLst>
                                     <p:cond delay="0"/>
                                   </p:stCondLst>
                                   <p:childTnLst>
                                     <p:set>
                                       <p:cBhvr>
-                                        <p:cTn id="8" dur="1" fill="hold">
+                                        <p:cTn id="9" dur="1" fill="hold">
                                           <p:stCondLst>
                                             <p:cond delay="0"/>
                                           </p:stCondLst>
@@ -11296,6 +11657,14 @@
                                         <p:strVal val="visible"/>
                                       </p:to>
                                     </p:set>
+                                    <p:animEffect transition="in" filter="fade">
+                                      <p:cBhvr>
+                                        <p:cTn id="10" dur="500"/>
+                                        <p:tgtEl>
+                                          <p:spTgt spid="15"/>
+                                        </p:tgtEl>
+                                      </p:cBhvr>
+                                    </p:animEffect>
                                   </p:childTnLst>
                                 </p:cTn>
                               </p:par>
@@ -11306,26 +11675,26 @@
                     </p:cTn>
                   </p:par>
                   <p:par>
-                    <p:cTn id="9" fill="hold">
+                    <p:cTn id="11" fill="hold">
                       <p:stCondLst>
                         <p:cond delay="indefinite"/>
                       </p:stCondLst>
                       <p:childTnLst>
                         <p:par>
-                          <p:cTn id="10" fill="hold">
+                          <p:cTn id="12" fill="hold">
                             <p:stCondLst>
                               <p:cond delay="0"/>
                             </p:stCondLst>
                             <p:childTnLst>
                               <p:par>
-                                <p:cTn id="11" presetID="1" presetClass="entr" presetSubtype="0" fill="hold" grpId="0" nodeType="clickEffect">
+                                <p:cTn id="13" presetID="10" presetClass="entr" presetSubtype="0" fill="hold" grpId="0" nodeType="clickEffect">
                                   <p:stCondLst>
                                     <p:cond delay="0"/>
                                   </p:stCondLst>
                                   <p:childTnLst>
                                     <p:set>
                                       <p:cBhvr>
-                                        <p:cTn id="12" dur="1" fill="hold">
+                                        <p:cTn id="14" dur="1" fill="hold">
                                           <p:stCondLst>
                                             <p:cond delay="0"/>
                                           </p:stCondLst>
@@ -11341,6 +11710,14 @@
                                         <p:strVal val="visible"/>
                                       </p:to>
                                     </p:set>
+                                    <p:animEffect transition="in" filter="fade">
+                                      <p:cBhvr>
+                                        <p:cTn id="15" dur="500"/>
+                                        <p:tgtEl>
+                                          <p:spTgt spid="16"/>
+                                        </p:tgtEl>
+                                      </p:cBhvr>
+                                    </p:animEffect>
                                   </p:childTnLst>
                                 </p:cTn>
                               </p:par>
@@ -11351,26 +11728,26 @@
                     </p:cTn>
                   </p:par>
                   <p:par>
-                    <p:cTn id="13" fill="hold">
+                    <p:cTn id="16" fill="hold">
                       <p:stCondLst>
                         <p:cond delay="indefinite"/>
                       </p:stCondLst>
                       <p:childTnLst>
                         <p:par>
-                          <p:cTn id="14" fill="hold">
+                          <p:cTn id="17" fill="hold">
                             <p:stCondLst>
                               <p:cond delay="0"/>
                             </p:stCondLst>
                             <p:childTnLst>
                               <p:par>
-                                <p:cTn id="15" presetID="1" presetClass="exit" presetSubtype="0" fill="hold" grpId="1" nodeType="clickEffect">
+                                <p:cTn id="18" presetID="1" presetClass="exit" presetSubtype="0" fill="hold" grpId="1" nodeType="clickEffect">
                                   <p:stCondLst>
                                     <p:cond delay="0"/>
                                   </p:stCondLst>
                                   <p:childTnLst>
                                     <p:set>
                                       <p:cBhvr>
-                                        <p:cTn id="16" dur="1" fill="hold">
+                                        <p:cTn id="19" dur="1" fill="hold">
                                           <p:stCondLst>
                                             <p:cond delay="0"/>
                                           </p:stCondLst>
@@ -11390,14 +11767,14 @@
                                 </p:cTn>
                               </p:par>
                               <p:par>
-                                <p:cTn id="17" presetID="1" presetClass="exit" presetSubtype="0" fill="hold" nodeType="withEffect">
+                                <p:cTn id="20" presetID="1" presetClass="exit" presetSubtype="0" fill="hold" nodeType="withEffect">
                                   <p:stCondLst>
                                     <p:cond delay="0"/>
                                   </p:stCondLst>
                                   <p:childTnLst>
                                     <p:set>
                                       <p:cBhvr>
-                                        <p:cTn id="18" dur="1" fill="hold">
+                                        <p:cTn id="21" dur="1" fill="hold">
                                           <p:stCondLst>
                                             <p:cond delay="0"/>
                                           </p:stCondLst>
@@ -11417,14 +11794,14 @@
                                 </p:cTn>
                               </p:par>
                               <p:par>
-                                <p:cTn id="19" presetID="1" presetClass="exit" presetSubtype="0" fill="hold" grpId="1" nodeType="withEffect">
+                                <p:cTn id="22" presetID="1" presetClass="exit" presetSubtype="0" fill="hold" grpId="1" nodeType="withEffect">
                                   <p:stCondLst>
                                     <p:cond delay="0"/>
                                   </p:stCondLst>
                                   <p:childTnLst>
                                     <p:set>
                                       <p:cBhvr>
-                                        <p:cTn id="20" dur="1" fill="hold">
+                                        <p:cTn id="23" dur="1" fill="hold">
                                           <p:stCondLst>
                                             <p:cond delay="0"/>
                                           </p:stCondLst>
@@ -11450,26 +11827,26 @@
                     </p:cTn>
                   </p:par>
                   <p:par>
-                    <p:cTn id="21" fill="hold">
+                    <p:cTn id="24" fill="hold">
                       <p:stCondLst>
                         <p:cond delay="indefinite"/>
                       </p:stCondLst>
                       <p:childTnLst>
                         <p:par>
-                          <p:cTn id="22" fill="hold">
+                          <p:cTn id="25" fill="hold">
                             <p:stCondLst>
                               <p:cond delay="0"/>
                             </p:stCondLst>
                             <p:childTnLst>
                               <p:par>
-                                <p:cTn id="23" presetID="1" presetClass="entr" presetSubtype="0" fill="hold" grpId="0" nodeType="clickEffect">
+                                <p:cTn id="26" presetID="10" presetClass="entr" presetSubtype="0" fill="hold" grpId="0" nodeType="clickEffect">
                                   <p:stCondLst>
                                     <p:cond delay="0"/>
                                   </p:stCondLst>
                                   <p:childTnLst>
                                     <p:set>
                                       <p:cBhvr>
-                                        <p:cTn id="24" dur="1" fill="hold">
+                                        <p:cTn id="27" dur="1" fill="hold">
                                           <p:stCondLst>
                                             <p:cond delay="0"/>
                                           </p:stCondLst>
@@ -11485,6 +11862,14 @@
                                         <p:strVal val="visible"/>
                                       </p:to>
                                     </p:set>
+                                    <p:animEffect transition="in" filter="fade">
+                                      <p:cBhvr>
+                                        <p:cTn id="28" dur="500"/>
+                                        <p:tgtEl>
+                                          <p:spTgt spid="18"/>
+                                        </p:tgtEl>
+                                      </p:cBhvr>
+                                    </p:animEffect>
                                   </p:childTnLst>
                                 </p:cTn>
                               </p:par>
@@ -11495,26 +11880,26 @@
                     </p:cTn>
                   </p:par>
                   <p:par>
-                    <p:cTn id="25" fill="hold">
+                    <p:cTn id="29" fill="hold">
                       <p:stCondLst>
                         <p:cond delay="indefinite"/>
                       </p:stCondLst>
                       <p:childTnLst>
                         <p:par>
-                          <p:cTn id="26" fill="hold">
+                          <p:cTn id="30" fill="hold">
                             <p:stCondLst>
                               <p:cond delay="0"/>
                             </p:stCondLst>
                             <p:childTnLst>
                               <p:par>
-                                <p:cTn id="27" presetID="1" presetClass="entr" presetSubtype="0" fill="hold" nodeType="clickEffect">
+                                <p:cTn id="31" presetID="10" presetClass="entr" presetSubtype="0" fill="hold" nodeType="clickEffect">
                                   <p:stCondLst>
                                     <p:cond delay="0"/>
                                   </p:stCondLst>
                                   <p:childTnLst>
                                     <p:set>
                                       <p:cBhvr>
-                                        <p:cTn id="28" dur="1" fill="hold">
+                                        <p:cTn id="32" dur="1" fill="hold">
                                           <p:stCondLst>
                                             <p:cond delay="0"/>
                                           </p:stCondLst>
@@ -11530,18 +11915,26 @@
                                         <p:strVal val="visible"/>
                                       </p:to>
                                     </p:set>
+                                    <p:animEffect transition="in" filter="fade">
+                                      <p:cBhvr>
+                                        <p:cTn id="33" dur="500"/>
+                                        <p:tgtEl>
+                                          <p:spTgt spid="20"/>
+                                        </p:tgtEl>
+                                      </p:cBhvr>
+                                    </p:animEffect>
                                   </p:childTnLst>
                                 </p:cTn>
                               </p:par>
                               <p:par>
-                                <p:cTn id="29" presetID="1" presetClass="entr" presetSubtype="0" fill="hold" grpId="0" nodeType="withEffect">
+                                <p:cTn id="34" presetID="10" presetClass="entr" presetSubtype="0" fill="hold" grpId="0" nodeType="withEffect">
                                   <p:stCondLst>
                                     <p:cond delay="0"/>
                                   </p:stCondLst>
                                   <p:childTnLst>
                                     <p:set>
                                       <p:cBhvr>
-                                        <p:cTn id="30" dur="1" fill="hold">
+                                        <p:cTn id="35" dur="1" fill="hold">
                                           <p:stCondLst>
                                             <p:cond delay="0"/>
                                           </p:stCondLst>
@@ -11557,6 +11950,14 @@
                                         <p:strVal val="visible"/>
                                       </p:to>
                                     </p:set>
+                                    <p:animEffect transition="in" filter="fade">
+                                      <p:cBhvr>
+                                        <p:cTn id="36" dur="500"/>
+                                        <p:tgtEl>
+                                          <p:spTgt spid="21"/>
+                                        </p:tgtEl>
+                                      </p:cBhvr>
+                                    </p:animEffect>
                                   </p:childTnLst>
                                 </p:cTn>
                               </p:par>
@@ -11567,26 +11968,26 @@
                     </p:cTn>
                   </p:par>
                   <p:par>
-                    <p:cTn id="31" fill="hold">
+                    <p:cTn id="37" fill="hold">
                       <p:stCondLst>
                         <p:cond delay="indefinite"/>
                       </p:stCondLst>
                       <p:childTnLst>
                         <p:par>
-                          <p:cTn id="32" fill="hold">
+                          <p:cTn id="38" fill="hold">
                             <p:stCondLst>
                               <p:cond delay="0"/>
                             </p:stCondLst>
                             <p:childTnLst>
                               <p:par>
-                                <p:cTn id="33" presetID="1" presetClass="entr" presetSubtype="0" fill="hold" grpId="0" nodeType="clickEffect">
+                                <p:cTn id="39" presetID="10" presetClass="entr" presetSubtype="0" fill="hold" grpId="0" nodeType="clickEffect">
                                   <p:stCondLst>
                                     <p:cond delay="0"/>
                                   </p:stCondLst>
                                   <p:childTnLst>
                                     <p:set>
                                       <p:cBhvr>
-                                        <p:cTn id="34" dur="1" fill="hold">
+                                        <p:cTn id="40" dur="1" fill="hold">
                                           <p:stCondLst>
                                             <p:cond delay="0"/>
                                           </p:stCondLst>
@@ -11602,6 +12003,14 @@
                                         <p:strVal val="visible"/>
                                       </p:to>
                                     </p:set>
+                                    <p:animEffect transition="in" filter="fade">
+                                      <p:cBhvr>
+                                        <p:cTn id="41" dur="500"/>
+                                        <p:tgtEl>
+                                          <p:spTgt spid="22"/>
+                                        </p:tgtEl>
+                                      </p:cBhvr>
+                                    </p:animEffect>
                                   </p:childTnLst>
                                 </p:cTn>
                               </p:par>
@@ -11645,7 +12054,7 @@
 </p:sld>
 </file>
 
-<file path=ppt/slides/slide2.xml><?xml version="1.0" encoding="utf-8"?>
+<file path=ppt/slides/slide3.xml><?xml version="1.0" encoding="utf-8"?>
 <p:sld xmlns:a="http://schemas.openxmlformats.org/drawingml/2006/main" xmlns:r="http://schemas.openxmlformats.org/officeDocument/2006/relationships" xmlns:p="http://schemas.openxmlformats.org/presentationml/2006/main">
   <p:cSld>
     <p:spTree>
@@ -11677,7 +12086,7 @@
           <p:nvPr/>
         </p:nvPicPr>
         <p:blipFill>
-          <a:blip r:embed="rId3"/>
+          <a:blip r:embed="rId2"/>
           <a:stretch>
             <a:fillRect/>
           </a:stretch>
@@ -12817,7 +13226,7 @@
           <p:nvPr/>
         </p:nvPicPr>
         <p:blipFill>
-          <a:blip r:embed="rId4"/>
+          <a:blip r:embed="rId3"/>
           <a:stretch>
             <a:fillRect/>
           </a:stretch>
@@ -13080,7 +13489,7 @@
           <p:nvPr/>
         </p:nvPicPr>
         <p:blipFill>
-          <a:blip r:embed="rId5"/>
+          <a:blip r:embed="rId4"/>
           <a:stretch>
             <a:fillRect/>
           </a:stretch>
@@ -13110,7 +13519,7 @@
           <p:nvPr/>
         </p:nvPicPr>
         <p:blipFill>
-          <a:blip r:embed="rId6"/>
+          <a:blip r:embed="rId5"/>
           <a:stretch>
             <a:fillRect/>
           </a:stretch>
@@ -13140,7 +13549,7 @@
           <p:nvPr/>
         </p:nvPicPr>
         <p:blipFill>
-          <a:blip r:embed="rId7"/>
+          <a:blip r:embed="rId6"/>
           <a:stretch>
             <a:fillRect/>
           </a:stretch>
@@ -13170,7 +13579,7 @@
           <p:nvPr/>
         </p:nvPicPr>
         <p:blipFill>
-          <a:blip r:embed="rId8"/>
+          <a:blip r:embed="rId7"/>
           <a:stretch>
             <a:fillRect/>
           </a:stretch>
@@ -13195,6 +13604,18 @@
   <p:clrMapOvr>
     <a:masterClrMapping/>
   </p:clrMapOvr>
+  <mc:AlternateContent xmlns:mc="http://schemas.openxmlformats.org/markup-compatibility/2006" xmlns:p159="http://schemas.microsoft.com/office/powerpoint/2015/09/main">
+    <mc:Choice Requires="p159">
+      <p:transition xmlns:p14="http://schemas.microsoft.com/office/powerpoint/2010/main" spd="slow" p14:dur="2000">
+        <p159:morph option="byObject"/>
+      </p:transition>
+    </mc:Choice>
+    <mc:Fallback xmlns="">
+      <p:transition spd="slow">
+        <p:fade/>
+      </p:transition>
+    </mc:Fallback>
+  </mc:AlternateContent>
   <p:timing>
     <p:tnLst>
       <p:par>
@@ -13216,7 +13637,7 @@
                             </p:stCondLst>
                             <p:childTnLst>
                               <p:par>
-                                <p:cTn id="5" presetID="1" presetClass="entr" presetSubtype="0" fill="hold" grpId="0" nodeType="clickEffect">
+                                <p:cTn id="5" presetID="10" presetClass="entr" presetSubtype="0" fill="hold" grpId="0" nodeType="clickEffect">
                                   <p:stCondLst>
                                     <p:cond delay="0"/>
                                   </p:stCondLst>
@@ -13239,18 +13660,26 @@
                                         <p:strVal val="visible"/>
                                       </p:to>
                                     </p:set>
+                                    <p:animEffect transition="in" filter="fade">
+                                      <p:cBhvr>
+                                        <p:cTn id="7" dur="500"/>
+                                        <p:tgtEl>
+                                          <p:spTgt spid="19"/>
+                                        </p:tgtEl>
+                                      </p:cBhvr>
+                                    </p:animEffect>
                                   </p:childTnLst>
                                 </p:cTn>
                               </p:par>
                               <p:par>
-                                <p:cTn id="7" presetID="1" presetClass="entr" presetSubtype="0" fill="hold" grpId="0" nodeType="withEffect">
+                                <p:cTn id="8" presetID="10" presetClass="entr" presetSubtype="0" fill="hold" grpId="0" nodeType="withEffect">
                                   <p:stCondLst>
                                     <p:cond delay="0"/>
                                   </p:stCondLst>
                                   <p:childTnLst>
                                     <p:set>
                                       <p:cBhvr>
-                                        <p:cTn id="8" dur="1" fill="hold">
+                                        <p:cTn id="9" dur="1" fill="hold">
                                           <p:stCondLst>
                                             <p:cond delay="0"/>
                                           </p:stCondLst>
@@ -13266,18 +13695,26 @@
                                         <p:strVal val="visible"/>
                                       </p:to>
                                     </p:set>
+                                    <p:animEffect transition="in" filter="fade">
+                                      <p:cBhvr>
+                                        <p:cTn id="10" dur="500"/>
+                                        <p:tgtEl>
+                                          <p:spTgt spid="21"/>
+                                        </p:tgtEl>
+                                      </p:cBhvr>
+                                    </p:animEffect>
                                   </p:childTnLst>
                                 </p:cTn>
                               </p:par>
                               <p:par>
-                                <p:cTn id="9" presetID="1" presetClass="entr" presetSubtype="0" fill="hold" grpId="0" nodeType="withEffect">
+                                <p:cTn id="11" presetID="10" presetClass="entr" presetSubtype="0" fill="hold" grpId="0" nodeType="withEffect">
                                   <p:stCondLst>
                                     <p:cond delay="0"/>
                                   </p:stCondLst>
                                   <p:childTnLst>
                                     <p:set>
                                       <p:cBhvr>
-                                        <p:cTn id="10" dur="1" fill="hold">
+                                        <p:cTn id="12" dur="1" fill="hold">
                                           <p:stCondLst>
                                             <p:cond delay="0"/>
                                           </p:stCondLst>
@@ -13293,6 +13730,14 @@
                                         <p:strVal val="visible"/>
                                       </p:to>
                                     </p:set>
+                                    <p:animEffect transition="in" filter="fade">
+                                      <p:cBhvr>
+                                        <p:cTn id="13" dur="500"/>
+                                        <p:tgtEl>
+                                          <p:spTgt spid="23"/>
+                                        </p:tgtEl>
+                                      </p:cBhvr>
+                                    </p:animEffect>
                                   </p:childTnLst>
                                 </p:cTn>
                               </p:par>
@@ -13303,26 +13748,26 @@
                     </p:cTn>
                   </p:par>
                   <p:par>
-                    <p:cTn id="11" fill="hold">
+                    <p:cTn id="14" fill="hold">
                       <p:stCondLst>
                         <p:cond delay="indefinite"/>
                       </p:stCondLst>
                       <p:childTnLst>
                         <p:par>
-                          <p:cTn id="12" fill="hold">
+                          <p:cTn id="15" fill="hold">
                             <p:stCondLst>
                               <p:cond delay="0"/>
                             </p:stCondLst>
                             <p:childTnLst>
                               <p:par>
-                                <p:cTn id="13" presetID="1" presetClass="entr" presetSubtype="0" fill="hold" nodeType="clickEffect">
+                                <p:cTn id="16" presetID="10" presetClass="entr" presetSubtype="0" fill="hold" nodeType="clickEffect">
                                   <p:stCondLst>
                                     <p:cond delay="0"/>
                                   </p:stCondLst>
                                   <p:childTnLst>
                                     <p:set>
                                       <p:cBhvr>
-                                        <p:cTn id="14" dur="1" fill="hold">
+                                        <p:cTn id="17" dur="1" fill="hold">
                                           <p:stCondLst>
                                             <p:cond delay="0"/>
                                           </p:stCondLst>
@@ -13338,51 +13783,14 @@
                                         <p:strVal val="visible"/>
                                       </p:to>
                                     </p:set>
-                                  </p:childTnLst>
-                                </p:cTn>
-                              </p:par>
-                            </p:childTnLst>
-                          </p:cTn>
-                        </p:par>
-                      </p:childTnLst>
-                    </p:cTn>
-                  </p:par>
-                  <p:par>
-                    <p:cTn id="15" fill="hold">
-                      <p:stCondLst>
-                        <p:cond delay="indefinite"/>
-                      </p:stCondLst>
-                      <p:childTnLst>
-                        <p:par>
-                          <p:cTn id="16" fill="hold">
-                            <p:stCondLst>
-                              <p:cond delay="0"/>
-                            </p:stCondLst>
-                            <p:childTnLst>
-                              <p:par>
-                                <p:cTn id="17" presetID="1" presetClass="entr" presetSubtype="0" fill="hold" nodeType="clickEffect">
-                                  <p:stCondLst>
-                                    <p:cond delay="0"/>
-                                  </p:stCondLst>
-                                  <p:childTnLst>
-                                    <p:set>
+                                    <p:animEffect transition="in" filter="fade">
                                       <p:cBhvr>
-                                        <p:cTn id="18" dur="1" fill="hold">
-                                          <p:stCondLst>
-                                            <p:cond delay="0"/>
-                                          </p:stCondLst>
-                                        </p:cTn>
+                                        <p:cTn id="18" dur="500"/>
                                         <p:tgtEl>
-                                          <p:spTgt spid="25"/>
+                                          <p:spTgt spid="29"/>
                                         </p:tgtEl>
-                                        <p:attrNameLst>
-                                          <p:attrName>style.visibility</p:attrName>
-                                        </p:attrNameLst>
                                       </p:cBhvr>
-                                      <p:to>
-                                        <p:strVal val="visible"/>
-                                      </p:to>
-                                    </p:set>
+                                    </p:animEffect>
                                   </p:childTnLst>
                                 </p:cTn>
                               </p:par>
@@ -13405,7 +13813,7 @@
                             </p:stCondLst>
                             <p:childTnLst>
                               <p:par>
-                                <p:cTn id="21" presetID="1" presetClass="exit" presetSubtype="0" fill="hold" nodeType="clickEffect">
+                                <p:cTn id="21" presetID="10" presetClass="entr" presetSubtype="0" fill="hold" nodeType="clickEffect">
                                   <p:stCondLst>
                                     <p:cond delay="0"/>
                                   </p:stCondLst>
@@ -13413,6 +13821,59 @@
                                     <p:set>
                                       <p:cBhvr>
                                         <p:cTn id="22" dur="1" fill="hold">
+                                          <p:stCondLst>
+                                            <p:cond delay="0"/>
+                                          </p:stCondLst>
+                                        </p:cTn>
+                                        <p:tgtEl>
+                                          <p:spTgt spid="25"/>
+                                        </p:tgtEl>
+                                        <p:attrNameLst>
+                                          <p:attrName>style.visibility</p:attrName>
+                                        </p:attrNameLst>
+                                      </p:cBhvr>
+                                      <p:to>
+                                        <p:strVal val="visible"/>
+                                      </p:to>
+                                    </p:set>
+                                    <p:animEffect transition="in" filter="fade">
+                                      <p:cBhvr>
+                                        <p:cTn id="23" dur="500"/>
+                                        <p:tgtEl>
+                                          <p:spTgt spid="25"/>
+                                        </p:tgtEl>
+                                      </p:cBhvr>
+                                    </p:animEffect>
+                                  </p:childTnLst>
+                                </p:cTn>
+                              </p:par>
+                            </p:childTnLst>
+                          </p:cTn>
+                        </p:par>
+                      </p:childTnLst>
+                    </p:cTn>
+                  </p:par>
+                  <p:par>
+                    <p:cTn id="24" fill="hold">
+                      <p:stCondLst>
+                        <p:cond delay="indefinite"/>
+                      </p:stCondLst>
+                      <p:childTnLst>
+                        <p:par>
+                          <p:cTn id="25" fill="hold">
+                            <p:stCondLst>
+                              <p:cond delay="0"/>
+                            </p:stCondLst>
+                            <p:childTnLst>
+                              <p:par>
+                                <p:cTn id="26" presetID="1" presetClass="exit" presetSubtype="0" fill="hold" nodeType="clickEffect">
+                                  <p:stCondLst>
+                                    <p:cond delay="0"/>
+                                  </p:stCondLst>
+                                  <p:childTnLst>
+                                    <p:set>
+                                      <p:cBhvr>
+                                        <p:cTn id="27" dur="1" fill="hold">
                                           <p:stCondLst>
                                             <p:cond delay="0"/>
                                           </p:stCondLst>
@@ -13438,26 +13899,26 @@
                     </p:cTn>
                   </p:par>
                   <p:par>
-                    <p:cTn id="23" fill="hold">
+                    <p:cTn id="28" fill="hold">
                       <p:stCondLst>
                         <p:cond delay="indefinite"/>
                       </p:stCondLst>
                       <p:childTnLst>
                         <p:par>
-                          <p:cTn id="24" fill="hold">
+                          <p:cTn id="29" fill="hold">
                             <p:stCondLst>
                               <p:cond delay="0"/>
                             </p:stCondLst>
                             <p:childTnLst>
                               <p:par>
-                                <p:cTn id="25" presetID="1" presetClass="entr" presetSubtype="0" fill="hold" nodeType="clickEffect">
+                                <p:cTn id="30" presetID="10" presetClass="entr" presetSubtype="0" fill="hold" nodeType="clickEffect">
                                   <p:stCondLst>
                                     <p:cond delay="0"/>
                                   </p:stCondLst>
                                   <p:childTnLst>
                                     <p:set>
                                       <p:cBhvr>
-                                        <p:cTn id="26" dur="1" fill="hold">
+                                        <p:cTn id="31" dur="1" fill="hold">
                                           <p:stCondLst>
                                             <p:cond delay="0"/>
                                           </p:stCondLst>
@@ -13473,6 +13934,14 @@
                                         <p:strVal val="visible"/>
                                       </p:to>
                                     </p:set>
+                                    <p:animEffect transition="in" filter="fade">
+                                      <p:cBhvr>
+                                        <p:cTn id="32" dur="500"/>
+                                        <p:tgtEl>
+                                          <p:spTgt spid="26"/>
+                                        </p:tgtEl>
+                                      </p:cBhvr>
+                                    </p:animEffect>
                                   </p:childTnLst>
                                 </p:cTn>
                               </p:par>
@@ -13483,26 +13952,26 @@
                     </p:cTn>
                   </p:par>
                   <p:par>
-                    <p:cTn id="27" fill="hold">
+                    <p:cTn id="33" fill="hold">
                       <p:stCondLst>
                         <p:cond delay="indefinite"/>
                       </p:stCondLst>
                       <p:childTnLst>
                         <p:par>
-                          <p:cTn id="28" fill="hold">
+                          <p:cTn id="34" fill="hold">
                             <p:stCondLst>
                               <p:cond delay="0"/>
                             </p:stCondLst>
                             <p:childTnLst>
                               <p:par>
-                                <p:cTn id="29" presetID="1" presetClass="entr" presetSubtype="0" fill="hold" nodeType="clickEffect">
+                                <p:cTn id="35" presetID="10" presetClass="entr" presetSubtype="0" fill="hold" nodeType="clickEffect">
                                   <p:stCondLst>
                                     <p:cond delay="0"/>
                                   </p:stCondLst>
                                   <p:childTnLst>
                                     <p:set>
                                       <p:cBhvr>
-                                        <p:cTn id="30" dur="1" fill="hold">
+                                        <p:cTn id="36" dur="1" fill="hold">
                                           <p:stCondLst>
                                             <p:cond delay="0"/>
                                           </p:stCondLst>
@@ -13518,6 +13987,14 @@
                                         <p:strVal val="visible"/>
                                       </p:to>
                                     </p:set>
+                                    <p:animEffect transition="in" filter="fade">
+                                      <p:cBhvr>
+                                        <p:cTn id="37" dur="500"/>
+                                        <p:tgtEl>
+                                          <p:spTgt spid="27"/>
+                                        </p:tgtEl>
+                                      </p:cBhvr>
+                                    </p:animEffect>
                                   </p:childTnLst>
                                 </p:cTn>
                               </p:par>
@@ -13528,26 +14005,26 @@
                     </p:cTn>
                   </p:par>
                   <p:par>
-                    <p:cTn id="31" fill="hold">
+                    <p:cTn id="38" fill="hold">
                       <p:stCondLst>
                         <p:cond delay="indefinite"/>
                       </p:stCondLst>
                       <p:childTnLst>
                         <p:par>
-                          <p:cTn id="32" fill="hold">
+                          <p:cTn id="39" fill="hold">
                             <p:stCondLst>
                               <p:cond delay="0"/>
                             </p:stCondLst>
                             <p:childTnLst>
                               <p:par>
-                                <p:cTn id="33" presetID="1" presetClass="exit" presetSubtype="0" fill="hold" nodeType="clickEffect">
+                                <p:cTn id="40" presetID="1" presetClass="exit" presetSubtype="0" fill="hold" nodeType="clickEffect">
                                   <p:stCondLst>
                                     <p:cond delay="0"/>
                                   </p:stCondLst>
                                   <p:childTnLst>
                                     <p:set>
                                       <p:cBhvr>
-                                        <p:cTn id="34" dur="1" fill="hold">
+                                        <p:cTn id="41" dur="1" fill="hold">
                                           <p:stCondLst>
                                             <p:cond delay="0"/>
                                           </p:stCondLst>
@@ -13573,26 +14050,26 @@
                     </p:cTn>
                   </p:par>
                   <p:par>
-                    <p:cTn id="35" fill="hold">
+                    <p:cTn id="42" fill="hold">
                       <p:stCondLst>
                         <p:cond delay="indefinite"/>
                       </p:stCondLst>
                       <p:childTnLst>
                         <p:par>
-                          <p:cTn id="36" fill="hold">
+                          <p:cTn id="43" fill="hold">
                             <p:stCondLst>
                               <p:cond delay="0"/>
                             </p:stCondLst>
                             <p:childTnLst>
                               <p:par>
-                                <p:cTn id="37" presetID="1" presetClass="entr" presetSubtype="0" fill="hold" nodeType="clickEffect">
+                                <p:cTn id="44" presetID="10" presetClass="entr" presetSubtype="0" fill="hold" nodeType="clickEffect">
                                   <p:stCondLst>
                                     <p:cond delay="0"/>
                                   </p:stCondLst>
                                   <p:childTnLst>
                                     <p:set>
                                       <p:cBhvr>
-                                        <p:cTn id="38" dur="1" fill="hold">
+                                        <p:cTn id="45" dur="1" fill="hold">
                                           <p:stCondLst>
                                             <p:cond delay="0"/>
                                           </p:stCondLst>
@@ -13608,105 +14085,14 @@
                                         <p:strVal val="visible"/>
                                       </p:to>
                                     </p:set>
-                                  </p:childTnLst>
-                                </p:cTn>
-                              </p:par>
-                            </p:childTnLst>
-                          </p:cTn>
-                        </p:par>
-                      </p:childTnLst>
-                    </p:cTn>
-                  </p:par>
-                  <p:par>
-                    <p:cTn id="39" fill="hold">
-                      <p:stCondLst>
-                        <p:cond delay="indefinite"/>
-                      </p:stCondLst>
-                      <p:childTnLst>
-                        <p:par>
-                          <p:cTn id="40" fill="hold">
-                            <p:stCondLst>
-                              <p:cond delay="0"/>
-                            </p:stCondLst>
-                            <p:childTnLst>
-                              <p:par>
-                                <p:cTn id="41" presetID="1" presetClass="exit" presetSubtype="0" fill="hold" nodeType="clickEffect">
-                                  <p:stCondLst>
-                                    <p:cond delay="0"/>
-                                  </p:stCondLst>
-                                  <p:childTnLst>
-                                    <p:set>
+                                    <p:animEffect transition="in" filter="fade">
                                       <p:cBhvr>
-                                        <p:cTn id="42" dur="1" fill="hold">
-                                          <p:stCondLst>
-                                            <p:cond delay="0"/>
-                                          </p:stCondLst>
-                                        </p:cTn>
-                                        <p:tgtEl>
-                                          <p:spTgt spid="26"/>
-                                        </p:tgtEl>
-                                        <p:attrNameLst>
-                                          <p:attrName>style.visibility</p:attrName>
-                                        </p:attrNameLst>
-                                      </p:cBhvr>
-                                      <p:to>
-                                        <p:strVal val="hidden"/>
-                                      </p:to>
-                                    </p:set>
-                                  </p:childTnLst>
-                                </p:cTn>
-                              </p:par>
-                              <p:par>
-                                <p:cTn id="43" presetID="1" presetClass="exit" presetSubtype="0" fill="hold" nodeType="withEffect">
-                                  <p:stCondLst>
-                                    <p:cond delay="0"/>
-                                  </p:stCondLst>
-                                  <p:childTnLst>
-                                    <p:set>
-                                      <p:cBhvr>
-                                        <p:cTn id="44" dur="1" fill="hold">
-                                          <p:stCondLst>
-                                            <p:cond delay="0"/>
-                                          </p:stCondLst>
-                                        </p:cTn>
-                                        <p:tgtEl>
-                                          <p:spTgt spid="27"/>
-                                        </p:tgtEl>
-                                        <p:attrNameLst>
-                                          <p:attrName>style.visibility</p:attrName>
-                                        </p:attrNameLst>
-                                      </p:cBhvr>
-                                      <p:to>
-                                        <p:strVal val="hidden"/>
-                                      </p:to>
-                                    </p:set>
-                                  </p:childTnLst>
-                                </p:cTn>
-                              </p:par>
-                              <p:par>
-                                <p:cTn id="45" presetID="1" presetClass="exit" presetSubtype="0" fill="hold" nodeType="withEffect">
-                                  <p:stCondLst>
-                                    <p:cond delay="0"/>
-                                  </p:stCondLst>
-                                  <p:childTnLst>
-                                    <p:set>
-                                      <p:cBhvr>
-                                        <p:cTn id="46" dur="1" fill="hold">
-                                          <p:stCondLst>
-                                            <p:cond delay="0"/>
-                                          </p:stCondLst>
-                                        </p:cTn>
+                                        <p:cTn id="46" dur="500"/>
                                         <p:tgtEl>
                                           <p:spTgt spid="28"/>
                                         </p:tgtEl>
-                                        <p:attrNameLst>
-                                          <p:attrName>style.visibility</p:attrName>
-                                        </p:attrNameLst>
                                       </p:cBhvr>
-                                      <p:to>
-                                        <p:strVal val="hidden"/>
-                                      </p:to>
-                                    </p:set>
+                                    </p:animEffect>
                                   </p:childTnLst>
                                 </p:cTn>
                               </p:par>
@@ -13729,7 +14115,7 @@
                             </p:stCondLst>
                             <p:childTnLst>
                               <p:par>
-                                <p:cTn id="49" presetID="1" presetClass="entr" presetSubtype="0" fill="hold" nodeType="clickEffect">
+                                <p:cTn id="49" presetID="1" presetClass="exit" presetSubtype="0" fill="hold" nodeType="clickEffect">
                                   <p:stCondLst>
                                     <p:cond delay="0"/>
                                   </p:stCondLst>
@@ -13742,39 +14128,48 @@
                                           </p:stCondLst>
                                         </p:cTn>
                                         <p:tgtEl>
-                                          <p:spTgt spid="31"/>
+                                          <p:spTgt spid="26"/>
                                         </p:tgtEl>
                                         <p:attrNameLst>
                                           <p:attrName>style.visibility</p:attrName>
                                         </p:attrNameLst>
                                       </p:cBhvr>
                                       <p:to>
-                                        <p:strVal val="visible"/>
+                                        <p:strVal val="hidden"/>
                                       </p:to>
                                     </p:set>
                                   </p:childTnLst>
                                 </p:cTn>
                               </p:par>
-                            </p:childTnLst>
-                          </p:cTn>
-                        </p:par>
-                      </p:childTnLst>
-                    </p:cTn>
-                  </p:par>
-                  <p:par>
-                    <p:cTn id="51" fill="hold">
-                      <p:stCondLst>
-                        <p:cond delay="indefinite"/>
-                      </p:stCondLst>
-                      <p:childTnLst>
-                        <p:par>
-                          <p:cTn id="52" fill="hold">
-                            <p:stCondLst>
-                              <p:cond delay="0"/>
-                            </p:stCondLst>
-                            <p:childTnLst>
                               <p:par>
-                                <p:cTn id="53" presetID="1" presetClass="exit" presetSubtype="0" fill="hold" nodeType="clickEffect">
+                                <p:cTn id="51" presetID="1" presetClass="exit" presetSubtype="0" fill="hold" nodeType="withEffect">
+                                  <p:stCondLst>
+                                    <p:cond delay="0"/>
+                                  </p:stCondLst>
+                                  <p:childTnLst>
+                                    <p:set>
+                                      <p:cBhvr>
+                                        <p:cTn id="52" dur="1" fill="hold">
+                                          <p:stCondLst>
+                                            <p:cond delay="0"/>
+                                          </p:stCondLst>
+                                        </p:cTn>
+                                        <p:tgtEl>
+                                          <p:spTgt spid="27"/>
+                                        </p:tgtEl>
+                                        <p:attrNameLst>
+                                          <p:attrName>style.visibility</p:attrName>
+                                        </p:attrNameLst>
+                                      </p:cBhvr>
+                                      <p:to>
+                                        <p:strVal val="hidden"/>
+                                      </p:to>
+                                    </p:set>
+                                  </p:childTnLst>
+                                </p:cTn>
+                              </p:par>
+                              <p:par>
+                                <p:cTn id="53" presetID="1" presetClass="exit" presetSubtype="0" fill="hold" nodeType="withEffect">
                                   <p:stCondLst>
                                     <p:cond delay="0"/>
                                   </p:stCondLst>
@@ -13787,7 +14182,7 @@
                                           </p:stCondLst>
                                         </p:cTn>
                                         <p:tgtEl>
-                                          <p:spTgt spid="31"/>
+                                          <p:spTgt spid="28"/>
                                         </p:tgtEl>
                                         <p:attrNameLst>
                                           <p:attrName>style.visibility</p:attrName>
@@ -13819,7 +14214,7 @@
                             </p:stCondLst>
                             <p:childTnLst>
                               <p:par>
-                                <p:cTn id="57" presetID="1" presetClass="entr" presetSubtype="0" fill="hold" nodeType="clickEffect">
+                                <p:cTn id="57" presetID="10" presetClass="entr" presetSubtype="0" fill="hold" nodeType="clickEffect">
                                   <p:stCondLst>
                                     <p:cond delay="0"/>
                                   </p:stCondLst>
@@ -13827,6 +14222,104 @@
                                     <p:set>
                                       <p:cBhvr>
                                         <p:cTn id="58" dur="1" fill="hold">
+                                          <p:stCondLst>
+                                            <p:cond delay="0"/>
+                                          </p:stCondLst>
+                                        </p:cTn>
+                                        <p:tgtEl>
+                                          <p:spTgt spid="31"/>
+                                        </p:tgtEl>
+                                        <p:attrNameLst>
+                                          <p:attrName>style.visibility</p:attrName>
+                                        </p:attrNameLst>
+                                      </p:cBhvr>
+                                      <p:to>
+                                        <p:strVal val="visible"/>
+                                      </p:to>
+                                    </p:set>
+                                    <p:animEffect transition="in" filter="fade">
+                                      <p:cBhvr>
+                                        <p:cTn id="59" dur="500"/>
+                                        <p:tgtEl>
+                                          <p:spTgt spid="31"/>
+                                        </p:tgtEl>
+                                      </p:cBhvr>
+                                    </p:animEffect>
+                                  </p:childTnLst>
+                                </p:cTn>
+                              </p:par>
+                            </p:childTnLst>
+                          </p:cTn>
+                        </p:par>
+                      </p:childTnLst>
+                    </p:cTn>
+                  </p:par>
+                  <p:par>
+                    <p:cTn id="60" fill="hold">
+                      <p:stCondLst>
+                        <p:cond delay="indefinite"/>
+                      </p:stCondLst>
+                      <p:childTnLst>
+                        <p:par>
+                          <p:cTn id="61" fill="hold">
+                            <p:stCondLst>
+                              <p:cond delay="0"/>
+                            </p:stCondLst>
+                            <p:childTnLst>
+                              <p:par>
+                                <p:cTn id="62" presetID="1" presetClass="exit" presetSubtype="0" fill="hold" nodeType="clickEffect">
+                                  <p:stCondLst>
+                                    <p:cond delay="0"/>
+                                  </p:stCondLst>
+                                  <p:childTnLst>
+                                    <p:set>
+                                      <p:cBhvr>
+                                        <p:cTn id="63" dur="1" fill="hold">
+                                          <p:stCondLst>
+                                            <p:cond delay="0"/>
+                                          </p:stCondLst>
+                                        </p:cTn>
+                                        <p:tgtEl>
+                                          <p:spTgt spid="31"/>
+                                        </p:tgtEl>
+                                        <p:attrNameLst>
+                                          <p:attrName>style.visibility</p:attrName>
+                                        </p:attrNameLst>
+                                      </p:cBhvr>
+                                      <p:to>
+                                        <p:strVal val="hidden"/>
+                                      </p:to>
+                                    </p:set>
+                                  </p:childTnLst>
+                                </p:cTn>
+                              </p:par>
+                            </p:childTnLst>
+                          </p:cTn>
+                        </p:par>
+                      </p:childTnLst>
+                    </p:cTn>
+                  </p:par>
+                  <p:par>
+                    <p:cTn id="64" fill="hold">
+                      <p:stCondLst>
+                        <p:cond delay="indefinite"/>
+                      </p:stCondLst>
+                      <p:childTnLst>
+                        <p:par>
+                          <p:cTn id="65" fill="hold">
+                            <p:stCondLst>
+                              <p:cond delay="0"/>
+                            </p:stCondLst>
+                            <p:childTnLst>
+                              <p:par>
+                                <p:cTn id="66" presetID="10" presetClass="entr" presetSubtype="0" fill="hold" nodeType="clickEffect">
+                                  <p:stCondLst>
+                                    <p:cond delay="0"/>
+                                  </p:stCondLst>
+                                  <p:childTnLst>
+                                    <p:set>
+                                      <p:cBhvr>
+                                        <p:cTn id="67" dur="1" fill="hold">
                                           <p:stCondLst>
                                             <p:cond delay="0"/>
                                           </p:stCondLst>
@@ -13842,6 +14335,14 @@
                                         <p:strVal val="visible"/>
                                       </p:to>
                                     </p:set>
+                                    <p:animEffect transition="in" filter="fade">
+                                      <p:cBhvr>
+                                        <p:cTn id="68" dur="500"/>
+                                        <p:tgtEl>
+                                          <p:spTgt spid="32"/>
+                                        </p:tgtEl>
+                                      </p:cBhvr>
+                                    </p:animEffect>
                                   </p:childTnLst>
                                 </p:cTn>
                               </p:par>
@@ -13881,7 +14382,7 @@
 </p:sld>
 </file>
 
-<file path=ppt/slides/slide3.xml><?xml version="1.0" encoding="utf-8"?>
+<file path=ppt/slides/slide4.xml><?xml version="1.0" encoding="utf-8"?>
 <p:sld xmlns:a="http://schemas.openxmlformats.org/drawingml/2006/main" xmlns:r="http://schemas.openxmlformats.org/officeDocument/2006/relationships" xmlns:p="http://schemas.openxmlformats.org/presentationml/2006/main">
   <p:cSld>
     <p:spTree>
@@ -13930,10 +14431,10 @@
       </p:pic>
       <p:pic>
         <p:nvPicPr>
-          <p:cNvPr id="6" name="그림 5">
+          <p:cNvPr id="7" name="그림 6">
             <a:extLst>
               <a:ext uri="{FF2B5EF4-FFF2-40B4-BE49-F238E27FC236}">
-                <a16:creationId xmlns:a16="http://schemas.microsoft.com/office/drawing/2014/main" id="{8D536D41-91C0-48A1-AFA1-CFCFD70369C8}"/>
+                <a16:creationId xmlns:a16="http://schemas.microsoft.com/office/drawing/2014/main" id="{C6E4F4BF-70CC-4189-BEFF-D279EF6C8BA1}"/>
               </a:ext>
             </a:extLst>
           </p:cNvPr>
@@ -13950,8 +14451,8 @@
         </p:blipFill>
         <p:spPr>
           <a:xfrm>
-            <a:off x="9668603" y="252412"/>
-            <a:ext cx="1762125" cy="866775"/>
+            <a:off x="8523430" y="1220454"/>
+            <a:ext cx="3581400" cy="4914900"/>
           </a:xfrm>
           <a:prstGeom prst="rect">
             <a:avLst/>
@@ -13960,10 +14461,10 @@
       </p:pic>
       <p:pic>
         <p:nvPicPr>
-          <p:cNvPr id="7" name="그림 6">
+          <p:cNvPr id="2" name="그림 1">
             <a:extLst>
               <a:ext uri="{FF2B5EF4-FFF2-40B4-BE49-F238E27FC236}">
-                <a16:creationId xmlns:a16="http://schemas.microsoft.com/office/drawing/2014/main" id="{C6E4F4BF-70CC-4189-BEFF-D279EF6C8BA1}"/>
+                <a16:creationId xmlns:a16="http://schemas.microsoft.com/office/drawing/2014/main" id="{AF7FA876-BFEC-447D-908F-E8F710A1E87F}"/>
               </a:ext>
             </a:extLst>
           </p:cNvPr>
@@ -13980,8 +14481,8 @@
         </p:blipFill>
         <p:spPr>
           <a:xfrm>
-            <a:off x="8533055" y="1119187"/>
-            <a:ext cx="3581400" cy="4914900"/>
+            <a:off x="9520731" y="29829"/>
+            <a:ext cx="2247900" cy="1190625"/>
           </a:xfrm>
           <a:prstGeom prst="rect">
             <a:avLst/>
@@ -13998,6 +14499,18 @@
   <p:clrMapOvr>
     <a:masterClrMapping/>
   </p:clrMapOvr>
+  <mc:AlternateContent xmlns:mc="http://schemas.openxmlformats.org/markup-compatibility/2006" xmlns:p159="http://schemas.microsoft.com/office/powerpoint/2015/09/main">
+    <mc:Choice Requires="p159">
+      <p:transition xmlns:p14="http://schemas.microsoft.com/office/powerpoint/2010/main" spd="slow" p14:dur="2000">
+        <p159:morph option="byObject"/>
+      </p:transition>
+    </mc:Choice>
+    <mc:Fallback xmlns="">
+      <p:transition spd="slow">
+        <p:fade/>
+      </p:transition>
+    </mc:Fallback>
+  </mc:AlternateContent>
   <p:timing>
     <p:tnLst>
       <p:par>
@@ -14019,7 +14532,7 @@
                             </p:stCondLst>
                             <p:childTnLst>
                               <p:par>
-                                <p:cTn id="5" presetID="1" presetClass="entr" presetSubtype="0" fill="hold" nodeType="clickEffect">
+                                <p:cTn id="5" presetID="10" presetClass="entr" presetSubtype="0" fill="hold" nodeType="clickEffect">
                                   <p:stCondLst>
                                     <p:cond delay="0"/>
                                   </p:stCondLst>
@@ -14032,7 +14545,7 @@
                                           </p:stCondLst>
                                         </p:cTn>
                                         <p:tgtEl>
-                                          <p:spTgt spid="6"/>
+                                          <p:spTgt spid="2"/>
                                         </p:tgtEl>
                                         <p:attrNameLst>
                                           <p:attrName>style.visibility</p:attrName>
@@ -14042,6 +14555,14 @@
                                         <p:strVal val="visible"/>
                                       </p:to>
                                     </p:set>
+                                    <p:animEffect transition="in" filter="fade">
+                                      <p:cBhvr>
+                                        <p:cTn id="7" dur="500"/>
+                                        <p:tgtEl>
+                                          <p:spTgt spid="2"/>
+                                        </p:tgtEl>
+                                      </p:cBhvr>
+                                    </p:animEffect>
                                   </p:childTnLst>
                                 </p:cTn>
                               </p:par>
@@ -14052,26 +14573,26 @@
                     </p:cTn>
                   </p:par>
                   <p:par>
-                    <p:cTn id="7" fill="hold">
+                    <p:cTn id="8" fill="hold">
                       <p:stCondLst>
                         <p:cond delay="indefinite"/>
                       </p:stCondLst>
                       <p:childTnLst>
                         <p:par>
-                          <p:cTn id="8" fill="hold">
+                          <p:cTn id="9" fill="hold">
                             <p:stCondLst>
                               <p:cond delay="0"/>
                             </p:stCondLst>
                             <p:childTnLst>
                               <p:par>
-                                <p:cTn id="9" presetID="1" presetClass="entr" presetSubtype="0" fill="hold" nodeType="clickEffect">
+                                <p:cTn id="10" presetID="10" presetClass="entr" presetSubtype="0" fill="hold" nodeType="clickEffect">
                                   <p:stCondLst>
                                     <p:cond delay="0"/>
                                   </p:stCondLst>
                                   <p:childTnLst>
                                     <p:set>
                                       <p:cBhvr>
-                                        <p:cTn id="10" dur="1" fill="hold">
+                                        <p:cTn id="11" dur="1" fill="hold">
                                           <p:stCondLst>
                                             <p:cond delay="0"/>
                                           </p:stCondLst>
@@ -14087,6 +14608,14 @@
                                         <p:strVal val="visible"/>
                                       </p:to>
                                     </p:set>
+                                    <p:animEffect transition="in" filter="fade">
+                                      <p:cBhvr>
+                                        <p:cTn id="12" dur="500"/>
+                                        <p:tgtEl>
+                                          <p:spTgt spid="7"/>
+                                        </p:tgtEl>
+                                      </p:cBhvr>
+                                    </p:animEffect>
                                   </p:childTnLst>
                                 </p:cTn>
                               </p:par>
@@ -14121,7 +14650,7 @@
 </p:sld>
 </file>
 
-<file path=ppt/slides/slide4.xml><?xml version="1.0" encoding="utf-8"?>
+<file path=ppt/slides/slide5.xml><?xml version="1.0" encoding="utf-8"?>
 <p:sld xmlns:a="http://schemas.openxmlformats.org/drawingml/2006/main" xmlns:r="http://schemas.openxmlformats.org/officeDocument/2006/relationships" xmlns:p="http://schemas.openxmlformats.org/presentationml/2006/main">
   <p:cSld>
     <p:spTree>
@@ -14657,6 +15186,18 @@
   <p:clrMapOvr>
     <a:masterClrMapping/>
   </p:clrMapOvr>
+  <mc:AlternateContent xmlns:mc="http://schemas.openxmlformats.org/markup-compatibility/2006" xmlns:p159="http://schemas.microsoft.com/office/powerpoint/2015/09/main">
+    <mc:Choice Requires="p159">
+      <p:transition xmlns:p14="http://schemas.microsoft.com/office/powerpoint/2010/main" spd="slow" p14:dur="2000">
+        <p159:morph option="byObject"/>
+      </p:transition>
+    </mc:Choice>
+    <mc:Fallback xmlns="">
+      <p:transition spd="slow">
+        <p:fade/>
+      </p:transition>
+    </mc:Fallback>
+  </mc:AlternateContent>
   <p:timing>
     <p:tnLst>
       <p:par>
@@ -14678,7 +15219,7 @@
                             </p:stCondLst>
                             <p:childTnLst>
                               <p:par>
-                                <p:cTn id="5" presetID="1" presetClass="entr" presetSubtype="0" fill="hold" nodeType="clickEffect">
+                                <p:cTn id="5" presetID="10" presetClass="entr" presetSubtype="0" fill="hold" nodeType="clickEffect">
                                   <p:stCondLst>
                                     <p:cond delay="0"/>
                                   </p:stCondLst>
@@ -14701,6 +15242,14 @@
                                         <p:strVal val="visible"/>
                                       </p:to>
                                     </p:set>
+                                    <p:animEffect transition="in" filter="fade">
+                                      <p:cBhvr>
+                                        <p:cTn id="7" dur="500"/>
+                                        <p:tgtEl>
+                                          <p:spTgt spid="12"/>
+                                        </p:tgtEl>
+                                      </p:cBhvr>
+                                    </p:animEffect>
                                   </p:childTnLst>
                                 </p:cTn>
                               </p:par>
@@ -14711,26 +15260,26 @@
                     </p:cTn>
                   </p:par>
                   <p:par>
-                    <p:cTn id="7" fill="hold">
+                    <p:cTn id="8" fill="hold">
                       <p:stCondLst>
                         <p:cond delay="indefinite"/>
                       </p:stCondLst>
                       <p:childTnLst>
                         <p:par>
-                          <p:cTn id="8" fill="hold">
+                          <p:cTn id="9" fill="hold">
                             <p:stCondLst>
                               <p:cond delay="0"/>
                             </p:stCondLst>
                             <p:childTnLst>
                               <p:par>
-                                <p:cTn id="9" presetID="1" presetClass="entr" presetSubtype="0" fill="hold" nodeType="clickEffect">
+                                <p:cTn id="10" presetID="10" presetClass="entr" presetSubtype="0" fill="hold" nodeType="clickEffect">
                                   <p:stCondLst>
                                     <p:cond delay="0"/>
                                   </p:stCondLst>
                                   <p:childTnLst>
                                     <p:set>
                                       <p:cBhvr>
-                                        <p:cTn id="10" dur="1" fill="hold">
+                                        <p:cTn id="11" dur="1" fill="hold">
                                           <p:stCondLst>
                                             <p:cond delay="0"/>
                                           </p:stCondLst>
@@ -14746,6 +15295,14 @@
                                         <p:strVal val="visible"/>
                                       </p:to>
                                     </p:set>
+                                    <p:animEffect transition="in" filter="fade">
+                                      <p:cBhvr>
+                                        <p:cTn id="12" dur="500"/>
+                                        <p:tgtEl>
+                                          <p:spTgt spid="18"/>
+                                        </p:tgtEl>
+                                      </p:cBhvr>
+                                    </p:animEffect>
                                   </p:childTnLst>
                                 </p:cTn>
                               </p:par>
@@ -14756,26 +15313,26 @@
                     </p:cTn>
                   </p:par>
                   <p:par>
-                    <p:cTn id="11" fill="hold">
+                    <p:cTn id="13" fill="hold">
                       <p:stCondLst>
                         <p:cond delay="indefinite"/>
                       </p:stCondLst>
                       <p:childTnLst>
                         <p:par>
-                          <p:cTn id="12" fill="hold">
+                          <p:cTn id="14" fill="hold">
                             <p:stCondLst>
                               <p:cond delay="0"/>
                             </p:stCondLst>
                             <p:childTnLst>
                               <p:par>
-                                <p:cTn id="13" presetID="1" presetClass="exit" presetSubtype="0" fill="hold" nodeType="clickEffect">
+                                <p:cTn id="15" presetID="1" presetClass="exit" presetSubtype="0" fill="hold" nodeType="clickEffect">
                                   <p:stCondLst>
                                     <p:cond delay="0"/>
                                   </p:stCondLst>
                                   <p:childTnLst>
                                     <p:set>
                                       <p:cBhvr>
-                                        <p:cTn id="14" dur="1" fill="hold">
+                                        <p:cTn id="16" dur="1" fill="hold">
                                           <p:stCondLst>
                                             <p:cond delay="0"/>
                                           </p:stCondLst>
@@ -14801,26 +15358,26 @@
                     </p:cTn>
                   </p:par>
                   <p:par>
-                    <p:cTn id="15" fill="hold">
+                    <p:cTn id="17" fill="hold">
                       <p:stCondLst>
                         <p:cond delay="indefinite"/>
                       </p:stCondLst>
                       <p:childTnLst>
                         <p:par>
-                          <p:cTn id="16" fill="hold">
+                          <p:cTn id="18" fill="hold">
                             <p:stCondLst>
                               <p:cond delay="0"/>
                             </p:stCondLst>
                             <p:childTnLst>
                               <p:par>
-                                <p:cTn id="17" presetID="1" presetClass="entr" presetSubtype="0" fill="hold" nodeType="clickEffect">
+                                <p:cTn id="19" presetID="10" presetClass="entr" presetSubtype="0" fill="hold" nodeType="clickEffect">
                                   <p:stCondLst>
                                     <p:cond delay="0"/>
                                   </p:stCondLst>
                                   <p:childTnLst>
                                     <p:set>
                                       <p:cBhvr>
-                                        <p:cTn id="18" dur="1" fill="hold">
+                                        <p:cTn id="20" dur="1" fill="hold">
                                           <p:stCondLst>
                                             <p:cond delay="0"/>
                                           </p:stCondLst>
@@ -14836,6 +15393,14 @@
                                         <p:strVal val="visible"/>
                                       </p:to>
                                     </p:set>
+                                    <p:animEffect transition="in" filter="fade">
+                                      <p:cBhvr>
+                                        <p:cTn id="21" dur="500"/>
+                                        <p:tgtEl>
+                                          <p:spTgt spid="14"/>
+                                        </p:tgtEl>
+                                      </p:cBhvr>
+                                    </p:animEffect>
                                   </p:childTnLst>
                                 </p:cTn>
                               </p:par>
@@ -14846,26 +15411,26 @@
                     </p:cTn>
                   </p:par>
                   <p:par>
-                    <p:cTn id="19" fill="hold">
+                    <p:cTn id="22" fill="hold">
                       <p:stCondLst>
                         <p:cond delay="indefinite"/>
                       </p:stCondLst>
                       <p:childTnLst>
                         <p:par>
-                          <p:cTn id="20" fill="hold">
+                          <p:cTn id="23" fill="hold">
                             <p:stCondLst>
                               <p:cond delay="0"/>
                             </p:stCondLst>
                             <p:childTnLst>
                               <p:par>
-                                <p:cTn id="21" presetID="1" presetClass="entr" presetSubtype="0" fill="hold" nodeType="clickEffect">
+                                <p:cTn id="24" presetID="10" presetClass="entr" presetSubtype="0" fill="hold" nodeType="clickEffect">
                                   <p:stCondLst>
                                     <p:cond delay="0"/>
                                   </p:stCondLst>
                                   <p:childTnLst>
                                     <p:set>
                                       <p:cBhvr>
-                                        <p:cTn id="22" dur="1" fill="hold">
+                                        <p:cTn id="25" dur="1" fill="hold">
                                           <p:stCondLst>
                                             <p:cond delay="0"/>
                                           </p:stCondLst>
@@ -14881,51 +15446,14 @@
                                         <p:strVal val="visible"/>
                                       </p:to>
                                     </p:set>
-                                  </p:childTnLst>
-                                </p:cTn>
-                              </p:par>
-                            </p:childTnLst>
-                          </p:cTn>
-                        </p:par>
-                      </p:childTnLst>
-                    </p:cTn>
-                  </p:par>
-                  <p:par>
-                    <p:cTn id="23" fill="hold">
-                      <p:stCondLst>
-                        <p:cond delay="indefinite"/>
-                      </p:stCondLst>
-                      <p:childTnLst>
-                        <p:par>
-                          <p:cTn id="24" fill="hold">
-                            <p:stCondLst>
-                              <p:cond delay="0"/>
-                            </p:stCondLst>
-                            <p:childTnLst>
-                              <p:par>
-                                <p:cTn id="25" presetID="1" presetClass="entr" presetSubtype="0" fill="hold" nodeType="clickEffect">
-                                  <p:stCondLst>
-                                    <p:cond delay="0"/>
-                                  </p:stCondLst>
-                                  <p:childTnLst>
-                                    <p:set>
+                                    <p:animEffect transition="in" filter="fade">
                                       <p:cBhvr>
-                                        <p:cTn id="26" dur="1" fill="hold">
-                                          <p:stCondLst>
-                                            <p:cond delay="0"/>
-                                          </p:stCondLst>
-                                        </p:cTn>
+                                        <p:cTn id="26" dur="500"/>
                                         <p:tgtEl>
-                                          <p:spTgt spid="20"/>
+                                          <p:spTgt spid="19"/>
                                         </p:tgtEl>
-                                        <p:attrNameLst>
-                                          <p:attrName>style.visibility</p:attrName>
-                                        </p:attrNameLst>
                                       </p:cBhvr>
-                                      <p:to>
-                                        <p:strVal val="visible"/>
-                                      </p:to>
-                                    </p:set>
+                                    </p:animEffect>
                                   </p:childTnLst>
                                 </p:cTn>
                               </p:par>
@@ -14948,7 +15476,7 @@
                             </p:stCondLst>
                             <p:childTnLst>
                               <p:par>
-                                <p:cTn id="29" presetID="1" presetClass="exit" presetSubtype="0" fill="hold" nodeType="clickEffect">
+                                <p:cTn id="29" presetID="10" presetClass="entr" presetSubtype="0" fill="hold" nodeType="clickEffect">
                                   <p:stCondLst>
                                     <p:cond delay="0"/>
                                   </p:stCondLst>
@@ -14956,6 +15484,59 @@
                                     <p:set>
                                       <p:cBhvr>
                                         <p:cTn id="30" dur="1" fill="hold">
+                                          <p:stCondLst>
+                                            <p:cond delay="0"/>
+                                          </p:stCondLst>
+                                        </p:cTn>
+                                        <p:tgtEl>
+                                          <p:spTgt spid="20"/>
+                                        </p:tgtEl>
+                                        <p:attrNameLst>
+                                          <p:attrName>style.visibility</p:attrName>
+                                        </p:attrNameLst>
+                                      </p:cBhvr>
+                                      <p:to>
+                                        <p:strVal val="visible"/>
+                                      </p:to>
+                                    </p:set>
+                                    <p:animEffect transition="in" filter="fade">
+                                      <p:cBhvr>
+                                        <p:cTn id="31" dur="500"/>
+                                        <p:tgtEl>
+                                          <p:spTgt spid="20"/>
+                                        </p:tgtEl>
+                                      </p:cBhvr>
+                                    </p:animEffect>
+                                  </p:childTnLst>
+                                </p:cTn>
+                              </p:par>
+                            </p:childTnLst>
+                          </p:cTn>
+                        </p:par>
+                      </p:childTnLst>
+                    </p:cTn>
+                  </p:par>
+                  <p:par>
+                    <p:cTn id="32" fill="hold">
+                      <p:stCondLst>
+                        <p:cond delay="indefinite"/>
+                      </p:stCondLst>
+                      <p:childTnLst>
+                        <p:par>
+                          <p:cTn id="33" fill="hold">
+                            <p:stCondLst>
+                              <p:cond delay="0"/>
+                            </p:stCondLst>
+                            <p:childTnLst>
+                              <p:par>
+                                <p:cTn id="34" presetID="1" presetClass="exit" presetSubtype="0" fill="hold" nodeType="clickEffect">
+                                  <p:stCondLst>
+                                    <p:cond delay="0"/>
+                                  </p:stCondLst>
+                                  <p:childTnLst>
+                                    <p:set>
+                                      <p:cBhvr>
+                                        <p:cTn id="35" dur="1" fill="hold">
                                           <p:stCondLst>
                                             <p:cond delay="0"/>
                                           </p:stCondLst>
@@ -14981,26 +15562,26 @@
                     </p:cTn>
                   </p:par>
                   <p:par>
-                    <p:cTn id="31" fill="hold">
+                    <p:cTn id="36" fill="hold">
                       <p:stCondLst>
                         <p:cond delay="indefinite"/>
                       </p:stCondLst>
                       <p:childTnLst>
                         <p:par>
-                          <p:cTn id="32" fill="hold">
+                          <p:cTn id="37" fill="hold">
                             <p:stCondLst>
                               <p:cond delay="0"/>
                             </p:stCondLst>
                             <p:childTnLst>
                               <p:par>
-                                <p:cTn id="33" presetID="1" presetClass="exit" presetSubtype="0" fill="hold" nodeType="clickEffect">
+                                <p:cTn id="38" presetID="1" presetClass="exit" presetSubtype="0" fill="hold" nodeType="clickEffect">
                                   <p:stCondLst>
                                     <p:cond delay="0"/>
                                   </p:stCondLst>
                                   <p:childTnLst>
                                     <p:set>
                                       <p:cBhvr>
-                                        <p:cTn id="34" dur="1" fill="hold">
+                                        <p:cTn id="39" dur="1" fill="hold">
                                           <p:stCondLst>
                                             <p:cond delay="0"/>
                                           </p:stCondLst>
@@ -15026,26 +15607,26 @@
                     </p:cTn>
                   </p:par>
                   <p:par>
-                    <p:cTn id="35" fill="hold">
+                    <p:cTn id="40" fill="hold">
                       <p:stCondLst>
                         <p:cond delay="indefinite"/>
                       </p:stCondLst>
                       <p:childTnLst>
                         <p:par>
-                          <p:cTn id="36" fill="hold">
+                          <p:cTn id="41" fill="hold">
                             <p:stCondLst>
                               <p:cond delay="0"/>
                             </p:stCondLst>
                             <p:childTnLst>
                               <p:par>
-                                <p:cTn id="37" presetID="1" presetClass="entr" presetSubtype="0" fill="hold" nodeType="clickEffect">
+                                <p:cTn id="42" presetID="10" presetClass="entr" presetSubtype="0" fill="hold" nodeType="clickEffect">
                                   <p:stCondLst>
                                     <p:cond delay="0"/>
                                   </p:stCondLst>
                                   <p:childTnLst>
                                     <p:set>
                                       <p:cBhvr>
-                                        <p:cTn id="38" dur="1" fill="hold">
+                                        <p:cTn id="43" dur="1" fill="hold">
                                           <p:stCondLst>
                                             <p:cond delay="0"/>
                                           </p:stCondLst>
@@ -15061,6 +15642,14 @@
                                         <p:strVal val="visible"/>
                                       </p:to>
                                     </p:set>
+                                    <p:animEffect transition="in" filter="fade">
+                                      <p:cBhvr>
+                                        <p:cTn id="44" dur="500"/>
+                                        <p:tgtEl>
+                                          <p:spTgt spid="15"/>
+                                        </p:tgtEl>
+                                      </p:cBhvr>
+                                    </p:animEffect>
                                   </p:childTnLst>
                                 </p:cTn>
                               </p:par>
@@ -15071,26 +15660,26 @@
                     </p:cTn>
                   </p:par>
                   <p:par>
-                    <p:cTn id="39" fill="hold">
+                    <p:cTn id="45" fill="hold">
                       <p:stCondLst>
                         <p:cond delay="indefinite"/>
                       </p:stCondLst>
                       <p:childTnLst>
                         <p:par>
-                          <p:cTn id="40" fill="hold">
+                          <p:cTn id="46" fill="hold">
                             <p:stCondLst>
                               <p:cond delay="0"/>
                             </p:stCondLst>
                             <p:childTnLst>
                               <p:par>
-                                <p:cTn id="41" presetID="1" presetClass="entr" presetSubtype="0" fill="hold" nodeType="clickEffect">
+                                <p:cTn id="47" presetID="10" presetClass="entr" presetSubtype="0" fill="hold" nodeType="clickEffect">
                                   <p:stCondLst>
                                     <p:cond delay="0"/>
                                   </p:stCondLst>
                                   <p:childTnLst>
                                     <p:set>
                                       <p:cBhvr>
-                                        <p:cTn id="42" dur="1" fill="hold">
+                                        <p:cTn id="48" dur="1" fill="hold">
                                           <p:stCondLst>
                                             <p:cond delay="0"/>
                                           </p:stCondLst>
@@ -15106,6 +15695,14 @@
                                         <p:strVal val="visible"/>
                                       </p:to>
                                     </p:set>
+                                    <p:animEffect transition="in" filter="fade">
+                                      <p:cBhvr>
+                                        <p:cTn id="49" dur="500"/>
+                                        <p:tgtEl>
+                                          <p:spTgt spid="16"/>
+                                        </p:tgtEl>
+                                      </p:cBhvr>
+                                    </p:animEffect>
                                   </p:childTnLst>
                                 </p:cTn>
                               </p:par>
@@ -15116,26 +15713,26 @@
                     </p:cTn>
                   </p:par>
                   <p:par>
-                    <p:cTn id="43" fill="hold">
+                    <p:cTn id="50" fill="hold">
                       <p:stCondLst>
                         <p:cond delay="indefinite"/>
                       </p:stCondLst>
                       <p:childTnLst>
                         <p:par>
-                          <p:cTn id="44" fill="hold">
+                          <p:cTn id="51" fill="hold">
                             <p:stCondLst>
                               <p:cond delay="0"/>
                             </p:stCondLst>
                             <p:childTnLst>
                               <p:par>
-                                <p:cTn id="45" presetID="1" presetClass="exit" presetSubtype="0" fill="hold" nodeType="clickEffect">
+                                <p:cTn id="52" presetID="1" presetClass="exit" presetSubtype="0" fill="hold" nodeType="clickEffect">
                                   <p:stCondLst>
                                     <p:cond delay="0"/>
                                   </p:stCondLst>
                                   <p:childTnLst>
                                     <p:set>
                                       <p:cBhvr>
-                                        <p:cTn id="46" dur="1" fill="hold">
+                                        <p:cTn id="53" dur="1" fill="hold">
                                           <p:stCondLst>
                                             <p:cond delay="0"/>
                                           </p:stCondLst>
@@ -15161,26 +15758,26 @@
                     </p:cTn>
                   </p:par>
                   <p:par>
-                    <p:cTn id="47" fill="hold">
+                    <p:cTn id="54" fill="hold">
                       <p:stCondLst>
                         <p:cond delay="indefinite"/>
                       </p:stCondLst>
                       <p:childTnLst>
                         <p:par>
-                          <p:cTn id="48" fill="hold">
+                          <p:cTn id="55" fill="hold">
                             <p:stCondLst>
                               <p:cond delay="0"/>
                             </p:stCondLst>
                             <p:childTnLst>
                               <p:par>
-                                <p:cTn id="49" presetID="1" presetClass="entr" presetSubtype="0" fill="hold" nodeType="clickEffect">
+                                <p:cTn id="56" presetID="10" presetClass="entr" presetSubtype="0" fill="hold" nodeType="clickEffect">
                                   <p:stCondLst>
                                     <p:cond delay="0"/>
                                   </p:stCondLst>
                                   <p:childTnLst>
                                     <p:set>
                                       <p:cBhvr>
-                                        <p:cTn id="50" dur="1" fill="hold">
+                                        <p:cTn id="57" dur="1" fill="hold">
                                           <p:stCondLst>
                                             <p:cond delay="0"/>
                                           </p:stCondLst>
@@ -15196,6 +15793,14 @@
                                         <p:strVal val="visible"/>
                                       </p:to>
                                     </p:set>
+                                    <p:animEffect transition="in" filter="fade">
+                                      <p:cBhvr>
+                                        <p:cTn id="58" dur="500"/>
+                                        <p:tgtEl>
+                                          <p:spTgt spid="17"/>
+                                        </p:tgtEl>
+                                      </p:cBhvr>
+                                    </p:animEffect>
                                   </p:childTnLst>
                                 </p:cTn>
                               </p:par>
@@ -15206,26 +15811,26 @@
                     </p:cTn>
                   </p:par>
                   <p:par>
-                    <p:cTn id="51" fill="hold">
+                    <p:cTn id="59" fill="hold">
                       <p:stCondLst>
                         <p:cond delay="indefinite"/>
                       </p:stCondLst>
                       <p:childTnLst>
                         <p:par>
-                          <p:cTn id="52" fill="hold">
+                          <p:cTn id="60" fill="hold">
                             <p:stCondLst>
                               <p:cond delay="0"/>
                             </p:stCondLst>
                             <p:childTnLst>
                               <p:par>
-                                <p:cTn id="53" presetID="1" presetClass="exit" presetSubtype="0" fill="hold" nodeType="clickEffect">
+                                <p:cTn id="61" presetID="1" presetClass="exit" presetSubtype="0" fill="hold" nodeType="clickEffect">
                                   <p:stCondLst>
                                     <p:cond delay="0"/>
                                   </p:stCondLst>
                                   <p:childTnLst>
                                     <p:set>
                                       <p:cBhvr>
-                                        <p:cTn id="54" dur="1" fill="hold">
+                                        <p:cTn id="62" dur="1" fill="hold">
                                           <p:stCondLst>
                                             <p:cond delay="0"/>
                                           </p:stCondLst>
@@ -15251,26 +15856,26 @@
                     </p:cTn>
                   </p:par>
                   <p:par>
-                    <p:cTn id="55" fill="hold">
+                    <p:cTn id="63" fill="hold">
                       <p:stCondLst>
                         <p:cond delay="indefinite"/>
                       </p:stCondLst>
                       <p:childTnLst>
                         <p:par>
-                          <p:cTn id="56" fill="hold">
+                          <p:cTn id="64" fill="hold">
                             <p:stCondLst>
                               <p:cond delay="0"/>
                             </p:stCondLst>
                             <p:childTnLst>
                               <p:par>
-                                <p:cTn id="57" presetID="1" presetClass="entr" presetSubtype="0" fill="hold" nodeType="clickEffect">
+                                <p:cTn id="65" presetID="10" presetClass="entr" presetSubtype="0" fill="hold" nodeType="clickEffect">
                                   <p:stCondLst>
                                     <p:cond delay="0"/>
                                   </p:stCondLst>
                                   <p:childTnLst>
                                     <p:set>
                                       <p:cBhvr>
-                                        <p:cTn id="58" dur="1" fill="hold">
+                                        <p:cTn id="66" dur="1" fill="hold">
                                           <p:stCondLst>
                                             <p:cond delay="0"/>
                                           </p:stCondLst>
@@ -15286,6 +15891,14 @@
                                         <p:strVal val="visible"/>
                                       </p:to>
                                     </p:set>
+                                    <p:animEffect transition="in" filter="fade">
+                                      <p:cBhvr>
+                                        <p:cTn id="67" dur="500"/>
+                                        <p:tgtEl>
+                                          <p:spTgt spid="21"/>
+                                        </p:tgtEl>
+                                      </p:cBhvr>
+                                    </p:animEffect>
                                   </p:childTnLst>
                                 </p:cTn>
                               </p:par>
@@ -15317,6 +15930,252 @@
       </p:par>
     </p:tnLst>
   </p:timing>
+</p:sld>
+</file>
+
+<file path=ppt/slides/slide6.xml><?xml version="1.0" encoding="utf-8"?>
+<p:sld xmlns:a="http://schemas.openxmlformats.org/drawingml/2006/main" xmlns:r="http://schemas.openxmlformats.org/officeDocument/2006/relationships" xmlns:p="http://schemas.openxmlformats.org/presentationml/2006/main">
+  <p:cSld>
+    <p:spTree>
+      <p:nvGrpSpPr>
+        <p:cNvPr id="1" name=""/>
+        <p:cNvGrpSpPr/>
+        <p:nvPr/>
+      </p:nvGrpSpPr>
+      <p:grpSpPr>
+        <a:xfrm>
+          <a:off x="0" y="0"/>
+          <a:ext cx="0" cy="0"/>
+          <a:chOff x="0" y="0"/>
+          <a:chExt cx="0" cy="0"/>
+        </a:xfrm>
+      </p:grpSpPr>
+      <p:sp>
+        <p:nvSpPr>
+          <p:cNvPr id="6" name="제목 1">
+            <a:extLst>
+              <a:ext uri="{FF2B5EF4-FFF2-40B4-BE49-F238E27FC236}">
+                <a16:creationId xmlns:a16="http://schemas.microsoft.com/office/drawing/2014/main" id="{A347CFC5-2D71-4187-8D38-5CBDB32444FC}"/>
+              </a:ext>
+            </a:extLst>
+          </p:cNvPr>
+          <p:cNvSpPr>
+            <a:spLocks noGrp="1"/>
+          </p:cNvSpPr>
+          <p:nvPr>
+            <p:ph type="title"/>
+          </p:nvPr>
+        </p:nvSpPr>
+        <p:spPr>
+          <a:xfrm>
+            <a:off x="1066800" y="0"/>
+            <a:ext cx="10058400" cy="5823284"/>
+          </a:xfrm>
+        </p:spPr>
+        <p:txBody>
+          <a:bodyPr>
+            <a:normAutofit fontScale="90000"/>
+          </a:bodyPr>
+          <a:lstStyle/>
+          <a:p>
+            <a:pPr algn="ctr"/>
+            <a:br>
+              <a:rPr lang="en-US" altLang="ko-KR" sz="8000" b="1" dirty="0"/>
+            </a:br>
+            <a:br>
+              <a:rPr lang="en-US" altLang="ko-KR" sz="8000" b="1" dirty="0"/>
+            </a:br>
+            <a:br>
+              <a:rPr lang="en-US" altLang="ko-KR" sz="8000" b="1" dirty="0"/>
+            </a:br>
+            <a:br>
+              <a:rPr lang="en-US" altLang="ko-KR" sz="8000" b="1" dirty="0"/>
+            </a:br>
+            <a:br>
+              <a:rPr lang="en-US" altLang="ko-KR" sz="8000" b="1" dirty="0"/>
+            </a:br>
+            <a:br>
+              <a:rPr lang="en-US" altLang="ko-KR" sz="8000" b="1" dirty="0"/>
+            </a:br>
+            <a:r>
+              <a:rPr lang="ko-KR" altLang="en-US" sz="8000" b="1" dirty="0"/>
+              <a:t>이상입니다</a:t>
+            </a:r>
+            <a:br>
+              <a:rPr lang="en-US" altLang="ko-KR" sz="8000" b="1" dirty="0"/>
+            </a:br>
+            <a:br>
+              <a:rPr lang="en-US" altLang="ko-KR" sz="8000" b="1" dirty="0"/>
+            </a:br>
+            <a:endParaRPr lang="ko-KR" altLang="en-US" b="1" dirty="0"/>
+          </a:p>
+        </p:txBody>
+      </p:sp>
+      <p:grpSp>
+        <p:nvGrpSpPr>
+          <p:cNvPr id="2" name="그룹 1">
+            <a:extLst>
+              <a:ext uri="{FF2B5EF4-FFF2-40B4-BE49-F238E27FC236}">
+                <a16:creationId xmlns:a16="http://schemas.microsoft.com/office/drawing/2014/main" id="{2547A9A1-3077-476C-8ADF-B874A4E41166}"/>
+              </a:ext>
+            </a:extLst>
+          </p:cNvPr>
+          <p:cNvGrpSpPr/>
+          <p:nvPr/>
+        </p:nvGrpSpPr>
+        <p:grpSpPr>
+          <a:xfrm>
+            <a:off x="0" y="43315"/>
+            <a:ext cx="12192000" cy="3080029"/>
+            <a:chOff x="0" y="43315"/>
+            <a:chExt cx="12192000" cy="3080029"/>
+          </a:xfrm>
+        </p:grpSpPr>
+        <p:pic>
+          <p:nvPicPr>
+            <p:cNvPr id="5" name="그림 4">
+              <a:extLst>
+                <a:ext uri="{FF2B5EF4-FFF2-40B4-BE49-F238E27FC236}">
+                  <a16:creationId xmlns:a16="http://schemas.microsoft.com/office/drawing/2014/main" id="{9A509252-071A-4CB9-85A2-1245D726D454}"/>
+                </a:ext>
+              </a:extLst>
+            </p:cNvPr>
+            <p:cNvPicPr>
+              <a:picLocks noChangeAspect="1"/>
+            </p:cNvPicPr>
+            <p:nvPr/>
+          </p:nvPicPr>
+          <p:blipFill>
+            <a:blip r:embed="rId2"/>
+            <a:stretch>
+              <a:fillRect/>
+            </a:stretch>
+          </p:blipFill>
+          <p:spPr>
+            <a:xfrm>
+              <a:off x="0" y="43315"/>
+              <a:ext cx="12192000" cy="2420752"/>
+            </a:xfrm>
+            <a:prstGeom prst="rect">
+              <a:avLst/>
+            </a:prstGeom>
+            <a:solidFill>
+              <a:srgbClr val="FFFFFF">
+                <a:shade val="85000"/>
+              </a:srgbClr>
+            </a:solidFill>
+            <a:ln w="88900" cap="sq">
+              <a:solidFill>
+                <a:srgbClr val="FFFFFF"/>
+              </a:solidFill>
+              <a:miter lim="800000"/>
+            </a:ln>
+            <a:effectLst>
+              <a:outerShdw blurRad="55000" dist="18000" dir="5400000" algn="tl" rotWithShape="0">
+                <a:srgbClr val="000000">
+                  <a:alpha val="40000"/>
+                </a:srgbClr>
+              </a:outerShdw>
+            </a:effectLst>
+            <a:scene3d>
+              <a:camera prst="orthographicFront"/>
+              <a:lightRig rig="twoPt" dir="t">
+                <a:rot lat="0" lon="0" rev="7200000"/>
+              </a:lightRig>
+            </a:scene3d>
+            <a:sp3d>
+              <a:bevelT w="25400" h="19050"/>
+              <a:contourClr>
+                <a:srgbClr val="FFFFFF"/>
+              </a:contourClr>
+            </a:sp3d>
+          </p:spPr>
+        </p:pic>
+        <p:sp>
+          <p:nvSpPr>
+            <p:cNvPr id="4" name="직사각형 3">
+              <a:extLst>
+                <a:ext uri="{FF2B5EF4-FFF2-40B4-BE49-F238E27FC236}">
+                  <a16:creationId xmlns:a16="http://schemas.microsoft.com/office/drawing/2014/main" id="{D2ACA938-1625-4EF7-91CD-A5C86E6C1BFF}"/>
+                </a:ext>
+              </a:extLst>
+            </p:cNvPr>
+            <p:cNvSpPr/>
+            <p:nvPr/>
+          </p:nvSpPr>
+          <p:spPr>
+            <a:xfrm>
+              <a:off x="1" y="2363056"/>
+              <a:ext cx="12191999" cy="760288"/>
+            </a:xfrm>
+            <a:prstGeom prst="rect">
+              <a:avLst/>
+            </a:prstGeom>
+            <a:gradFill>
+              <a:gsLst>
+                <a:gs pos="0">
+                  <a:schemeClr val="bg1">
+                    <a:alpha val="70000"/>
+                  </a:schemeClr>
+                </a:gs>
+                <a:gs pos="10000">
+                  <a:schemeClr val="bg1"/>
+                </a:gs>
+              </a:gsLst>
+              <a:lin ang="16200000" scaled="0"/>
+            </a:gradFill>
+            <a:ln>
+              <a:noFill/>
+            </a:ln>
+          </p:spPr>
+          <p:style>
+            <a:lnRef idx="2">
+              <a:schemeClr val="accent1">
+                <a:shade val="50000"/>
+              </a:schemeClr>
+            </a:lnRef>
+            <a:fillRef idx="1">
+              <a:schemeClr val="accent1"/>
+            </a:fillRef>
+            <a:effectRef idx="0">
+              <a:schemeClr val="accent1"/>
+            </a:effectRef>
+            <a:fontRef idx="minor">
+              <a:schemeClr val="lt1"/>
+            </a:fontRef>
+          </p:style>
+          <p:txBody>
+            <a:bodyPr rtlCol="0" anchor="ctr"/>
+            <a:lstStyle/>
+            <a:p>
+              <a:pPr algn="ctr"/>
+              <a:endParaRPr lang="ko-KR" altLang="en-US" dirty="0"/>
+            </a:p>
+          </p:txBody>
+        </p:sp>
+      </p:grpSp>
+    </p:spTree>
+    <p:extLst>
+      <p:ext uri="{BB962C8B-B14F-4D97-AF65-F5344CB8AC3E}">
+        <p14:creationId xmlns:p14="http://schemas.microsoft.com/office/powerpoint/2010/main" val="1028145640"/>
+      </p:ext>
+    </p:extLst>
+  </p:cSld>
+  <p:clrMapOvr>
+    <a:masterClrMapping/>
+  </p:clrMapOvr>
+  <mc:AlternateContent xmlns:mc="http://schemas.openxmlformats.org/markup-compatibility/2006" xmlns:p159="http://schemas.microsoft.com/office/powerpoint/2015/09/main">
+    <mc:Choice Requires="p159">
+      <p:transition xmlns:p14="http://schemas.microsoft.com/office/powerpoint/2010/main" spd="slow" p14:dur="2000">
+        <p159:morph option="byObject"/>
+      </p:transition>
+    </mc:Choice>
+    <mc:Fallback xmlns="">
+      <p:transition spd="slow">
+        <p:fade/>
+      </p:transition>
+    </mc:Fallback>
+  </mc:AlternateContent>
 </p:sld>
 </file>
 
